--- a/8. Гексагональная архитектура/Архитектура больших проектов.pptx
+++ b/8. Гексагональная архитектура/Архитектура больших проектов.pptx
@@ -5,7 +5,7 @@
     <p:sldMasterId id="2147483696" r:id="rId1"/>
   </p:sldMasterIdLst>
   <p:notesMasterIdLst>
-    <p:notesMasterId r:id="rId25"/>
+    <p:notesMasterId r:id="rId27"/>
   </p:notesMasterIdLst>
   <p:sldIdLst>
     <p:sldId id="256" r:id="rId2"/>
@@ -18,19 +18,21 @@
     <p:sldId id="297" r:id="rId9"/>
     <p:sldId id="309" r:id="rId10"/>
     <p:sldId id="312" r:id="rId11"/>
-    <p:sldId id="311" r:id="rId12"/>
-    <p:sldId id="303" r:id="rId13"/>
-    <p:sldId id="304" r:id="rId14"/>
-    <p:sldId id="301" r:id="rId15"/>
-    <p:sldId id="319" r:id="rId16"/>
-    <p:sldId id="320" r:id="rId17"/>
-    <p:sldId id="321" r:id="rId18"/>
-    <p:sldId id="302" r:id="rId19"/>
-    <p:sldId id="307" r:id="rId20"/>
-    <p:sldId id="285" r:id="rId21"/>
-    <p:sldId id="306" r:id="rId22"/>
-    <p:sldId id="315" r:id="rId23"/>
-    <p:sldId id="316" r:id="rId24"/>
+    <p:sldId id="323" r:id="rId12"/>
+    <p:sldId id="311" r:id="rId13"/>
+    <p:sldId id="303" r:id="rId14"/>
+    <p:sldId id="304" r:id="rId15"/>
+    <p:sldId id="324" r:id="rId16"/>
+    <p:sldId id="301" r:id="rId17"/>
+    <p:sldId id="319" r:id="rId18"/>
+    <p:sldId id="320" r:id="rId19"/>
+    <p:sldId id="321" r:id="rId20"/>
+    <p:sldId id="302" r:id="rId21"/>
+    <p:sldId id="307" r:id="rId22"/>
+    <p:sldId id="285" r:id="rId23"/>
+    <p:sldId id="306" r:id="rId24"/>
+    <p:sldId id="315" r:id="rId25"/>
+    <p:sldId id="316" r:id="rId26"/>
   </p:sldIdLst>
   <p:sldSz cx="12192000" cy="6858000"/>
   <p:notesSz cx="6858000" cy="9144000"/>
@@ -219,7 +221,7 @@
           <a:p>
             <a:fld id="{C1D4E0F3-72BF-4A3D-B15B-5DC58D76DB7C}" type="datetimeFigureOut">
               <a:rPr lang="ru-RU" smtClean="0"/>
-              <a:t>16-03-2023</a:t>
+              <a:t>02-04-2023</a:t>
             </a:fld>
             <a:endParaRPr lang="ru-RU"/>
           </a:p>
@@ -812,7 +814,7 @@
           <a:p>
             <a:fld id="{6D4F777E-7E49-484A-8AB5-5707456DACFE}" type="slidenum">
               <a:rPr lang="ru-RU" smtClean="0"/>
-              <a:t>12</a:t>
+              <a:t>13</a:t>
             </a:fld>
             <a:endParaRPr lang="ru-RU"/>
           </a:p>
@@ -888,7 +890,7 @@
           <a:noFill/>
           <a:extLst>
             <a:ext uri="{909E8E84-426E-40dd-AFC4-6F175D3DCCD1}">
-              <a14:hiddenFill xmlns:a14="http://schemas.microsoft.com/office/drawing/2010/main" xmlns="">
+              <a14:hiddenFill xmlns="" xmlns:a14="http://schemas.microsoft.com/office/drawing/2010/main">
                 <a:solidFill>
                   <a:srgbClr val="FFFFFF"/>
                 </a:solidFill>
@@ -947,7 +949,7 @@
             </a:ln>
             <a:extLst>
               <a:ext uri="{91240B29-F687-4f45-9708-019B960494DF}">
-                <a14:hiddenLine xmlns:a14="http://schemas.microsoft.com/office/drawing/2010/main" xmlns="" w="9525">
+                <a14:hiddenLine xmlns="" xmlns:a14="http://schemas.microsoft.com/office/drawing/2010/main" w="9525">
                   <a:solidFill>
                     <a:srgbClr val="000000"/>
                   </a:solidFill>
@@ -1037,7 +1039,7 @@
             </a:ln>
             <a:extLst>
               <a:ext uri="{91240B29-F687-4f45-9708-019B960494DF}">
-                <a14:hiddenLine xmlns:a14="http://schemas.microsoft.com/office/drawing/2010/main" xmlns="" w="9525">
+                <a14:hiddenLine xmlns="" xmlns:a14="http://schemas.microsoft.com/office/drawing/2010/main" w="9525">
                   <a:solidFill>
                     <a:srgbClr val="000000"/>
                   </a:solidFill>
@@ -1127,7 +1129,7 @@
             </a:ln>
             <a:extLst>
               <a:ext uri="{91240B29-F687-4f45-9708-019B960494DF}">
-                <a14:hiddenLine xmlns:a14="http://schemas.microsoft.com/office/drawing/2010/main" xmlns="" w="9525">
+                <a14:hiddenLine xmlns="" xmlns:a14="http://schemas.microsoft.com/office/drawing/2010/main" w="9525">
                   <a:solidFill>
                     <a:srgbClr val="000000"/>
                   </a:solidFill>
@@ -1161,7 +1163,7 @@
             </a:ln>
             <a:extLst>
               <a:ext uri="{91240B29-F687-4f45-9708-019B960494DF}">
-                <a14:hiddenLine xmlns:a14="http://schemas.microsoft.com/office/drawing/2010/main" xmlns="" w="9525">
+                <a14:hiddenLine xmlns="" xmlns:a14="http://schemas.microsoft.com/office/drawing/2010/main" w="9525">
                   <a:solidFill>
                     <a:srgbClr val="000000"/>
                   </a:solidFill>
@@ -1251,7 +1253,7 @@
             </a:ln>
             <a:extLst>
               <a:ext uri="{91240B29-F687-4f45-9708-019B960494DF}">
-                <a14:hiddenLine xmlns:a14="http://schemas.microsoft.com/office/drawing/2010/main" xmlns="" w="9525">
+                <a14:hiddenLine xmlns="" xmlns:a14="http://schemas.microsoft.com/office/drawing/2010/main" w="9525">
                   <a:solidFill>
                     <a:srgbClr val="000000"/>
                   </a:solidFill>
@@ -1313,7 +1315,7 @@
             </a:ln>
             <a:extLst>
               <a:ext uri="{91240B29-F687-4f45-9708-019B960494DF}">
-                <a14:hiddenLine xmlns:a14="http://schemas.microsoft.com/office/drawing/2010/main" xmlns="" w="9525">
+                <a14:hiddenLine xmlns="" xmlns:a14="http://schemas.microsoft.com/office/drawing/2010/main" w="9525">
                   <a:solidFill>
                     <a:srgbClr val="000000"/>
                   </a:solidFill>
@@ -1375,7 +1377,7 @@
             </a:ln>
             <a:extLst>
               <a:ext uri="{91240B29-F687-4f45-9708-019B960494DF}">
-                <a14:hiddenLine xmlns:a14="http://schemas.microsoft.com/office/drawing/2010/main" xmlns="" w="9525">
+                <a14:hiddenLine xmlns="" xmlns:a14="http://schemas.microsoft.com/office/drawing/2010/main" w="9525">
                   <a:solidFill>
                     <a:srgbClr val="000000"/>
                   </a:solidFill>
@@ -1465,7 +1467,7 @@
             </a:ln>
             <a:extLst>
               <a:ext uri="{91240B29-F687-4f45-9708-019B960494DF}">
-                <a14:hiddenLine xmlns:a14="http://schemas.microsoft.com/office/drawing/2010/main" xmlns="" w="9525">
+                <a14:hiddenLine xmlns="" xmlns:a14="http://schemas.microsoft.com/office/drawing/2010/main" w="9525">
                   <a:solidFill>
                     <a:srgbClr val="000000"/>
                   </a:solidFill>
@@ -1527,7 +1529,7 @@
             </a:ln>
             <a:extLst>
               <a:ext uri="{91240B29-F687-4f45-9708-019B960494DF}">
-                <a14:hiddenLine xmlns:a14="http://schemas.microsoft.com/office/drawing/2010/main" xmlns="" w="9525">
+                <a14:hiddenLine xmlns="" xmlns:a14="http://schemas.microsoft.com/office/drawing/2010/main" w="9525">
                   <a:solidFill>
                     <a:srgbClr val="000000"/>
                   </a:solidFill>
@@ -1589,7 +1591,7 @@
             </a:ln>
             <a:extLst>
               <a:ext uri="{91240B29-F687-4f45-9708-019B960494DF}">
-                <a14:hiddenLine xmlns:a14="http://schemas.microsoft.com/office/drawing/2010/main" xmlns="" w="9525">
+                <a14:hiddenLine xmlns="" xmlns:a14="http://schemas.microsoft.com/office/drawing/2010/main" w="9525">
                   <a:solidFill>
                     <a:srgbClr val="000000"/>
                   </a:solidFill>
@@ -1679,7 +1681,7 @@
             </a:ln>
             <a:extLst>
               <a:ext uri="{91240B29-F687-4f45-9708-019B960494DF}">
-                <a14:hiddenLine xmlns:a14="http://schemas.microsoft.com/office/drawing/2010/main" xmlns="" w="9525">
+                <a14:hiddenLine xmlns="" xmlns:a14="http://schemas.microsoft.com/office/drawing/2010/main" w="9525">
                   <a:solidFill>
                     <a:srgbClr val="000000"/>
                   </a:solidFill>
@@ -1769,7 +1771,7 @@
             </a:ln>
             <a:extLst>
               <a:ext uri="{91240B29-F687-4f45-9708-019B960494DF}">
-                <a14:hiddenLine xmlns:a14="http://schemas.microsoft.com/office/drawing/2010/main" xmlns="" w="9525">
+                <a14:hiddenLine xmlns="" xmlns:a14="http://schemas.microsoft.com/office/drawing/2010/main" w="9525">
                   <a:solidFill>
                     <a:srgbClr val="000000"/>
                   </a:solidFill>
@@ -1831,7 +1833,7 @@
             </a:ln>
             <a:extLst>
               <a:ext uri="{91240B29-F687-4f45-9708-019B960494DF}">
-                <a14:hiddenLine xmlns:a14="http://schemas.microsoft.com/office/drawing/2010/main" xmlns="" w="9525">
+                <a14:hiddenLine xmlns="" xmlns:a14="http://schemas.microsoft.com/office/drawing/2010/main" w="9525">
                   <a:solidFill>
                     <a:srgbClr val="000000"/>
                   </a:solidFill>
@@ -1941,7 +1943,7 @@
             </a:ln>
             <a:extLst>
               <a:ext uri="{91240B29-F687-4f45-9708-019B960494DF}">
-                <a14:hiddenLine xmlns:a14="http://schemas.microsoft.com/office/drawing/2010/main" xmlns="" w="9525">
+                <a14:hiddenLine xmlns="" xmlns:a14="http://schemas.microsoft.com/office/drawing/2010/main" w="9525">
                   <a:solidFill>
                     <a:srgbClr val="000000"/>
                   </a:solidFill>
@@ -2003,7 +2005,7 @@
             </a:ln>
             <a:extLst>
               <a:ext uri="{91240B29-F687-4f45-9708-019B960494DF}">
-                <a14:hiddenLine xmlns:a14="http://schemas.microsoft.com/office/drawing/2010/main" xmlns="" w="9525">
+                <a14:hiddenLine xmlns="" xmlns:a14="http://schemas.microsoft.com/office/drawing/2010/main" w="9525">
                   <a:solidFill>
                     <a:srgbClr val="000000"/>
                   </a:solidFill>
@@ -2093,7 +2095,7 @@
             </a:ln>
             <a:extLst>
               <a:ext uri="{91240B29-F687-4f45-9708-019B960494DF}">
-                <a14:hiddenLine xmlns:a14="http://schemas.microsoft.com/office/drawing/2010/main" xmlns="" w="9525">
+                <a14:hiddenLine xmlns="" xmlns:a14="http://schemas.microsoft.com/office/drawing/2010/main" w="9525">
                   <a:solidFill>
                     <a:srgbClr val="000000"/>
                   </a:solidFill>
@@ -2183,7 +2185,7 @@
             </a:ln>
             <a:extLst>
               <a:ext uri="{91240B29-F687-4f45-9708-019B960494DF}">
-                <a14:hiddenLine xmlns:a14="http://schemas.microsoft.com/office/drawing/2010/main" xmlns="" w="9525">
+                <a14:hiddenLine xmlns="" xmlns:a14="http://schemas.microsoft.com/office/drawing/2010/main" w="9525">
                   <a:solidFill>
                     <a:srgbClr val="000000"/>
                   </a:solidFill>
@@ -2245,7 +2247,7 @@
             </a:ln>
             <a:extLst>
               <a:ext uri="{91240B29-F687-4f45-9708-019B960494DF}">
-                <a14:hiddenLine xmlns:a14="http://schemas.microsoft.com/office/drawing/2010/main" xmlns="" w="9525">
+                <a14:hiddenLine xmlns="" xmlns:a14="http://schemas.microsoft.com/office/drawing/2010/main" w="9525">
                   <a:solidFill>
                     <a:srgbClr val="000000"/>
                   </a:solidFill>
@@ -2335,7 +2337,7 @@
             </a:ln>
             <a:extLst>
               <a:ext uri="{91240B29-F687-4f45-9708-019B960494DF}">
-                <a14:hiddenLine xmlns:a14="http://schemas.microsoft.com/office/drawing/2010/main" xmlns="" w="9525">
+                <a14:hiddenLine xmlns="" xmlns:a14="http://schemas.microsoft.com/office/drawing/2010/main" w="9525">
                   <a:solidFill>
                     <a:srgbClr val="000000"/>
                   </a:solidFill>
@@ -2425,7 +2427,7 @@
             </a:ln>
             <a:extLst>
               <a:ext uri="{91240B29-F687-4f45-9708-019B960494DF}">
-                <a14:hiddenLine xmlns:a14="http://schemas.microsoft.com/office/drawing/2010/main" xmlns="" w="9525">
+                <a14:hiddenLine xmlns="" xmlns:a14="http://schemas.microsoft.com/office/drawing/2010/main" w="9525">
                   <a:solidFill>
                     <a:srgbClr val="000000"/>
                   </a:solidFill>
@@ -2481,7 +2483,7 @@
             </a:ln>
             <a:extLst>
               <a:ext uri="{91240B29-F687-4f45-9708-019B960494DF}">
-                <a14:hiddenLine xmlns:a14="http://schemas.microsoft.com/office/drawing/2010/main" xmlns="" w="9525">
+                <a14:hiddenLine xmlns="" xmlns:a14="http://schemas.microsoft.com/office/drawing/2010/main" w="9525">
                   <a:solidFill>
                     <a:srgbClr val="000000"/>
                   </a:solidFill>
@@ -2571,7 +2573,7 @@
             </a:ln>
             <a:extLst>
               <a:ext uri="{91240B29-F687-4f45-9708-019B960494DF}">
-                <a14:hiddenLine xmlns:a14="http://schemas.microsoft.com/office/drawing/2010/main" xmlns="" w="9525">
+                <a14:hiddenLine xmlns="" xmlns:a14="http://schemas.microsoft.com/office/drawing/2010/main" w="9525">
                   <a:solidFill>
                     <a:srgbClr val="000000"/>
                   </a:solidFill>
@@ -2627,7 +2629,7 @@
             </a:ln>
             <a:extLst>
               <a:ext uri="{91240B29-F687-4f45-9708-019B960494DF}">
-                <a14:hiddenLine xmlns:a14="http://schemas.microsoft.com/office/drawing/2010/main" xmlns="" w="9525">
+                <a14:hiddenLine xmlns="" xmlns:a14="http://schemas.microsoft.com/office/drawing/2010/main" w="9525">
                   <a:solidFill>
                     <a:srgbClr val="000000"/>
                   </a:solidFill>
@@ -2717,7 +2719,7 @@
             </a:ln>
             <a:extLst>
               <a:ext uri="{91240B29-F687-4f45-9708-019B960494DF}">
-                <a14:hiddenLine xmlns:a14="http://schemas.microsoft.com/office/drawing/2010/main" xmlns="" w="9525">
+                <a14:hiddenLine xmlns="" xmlns:a14="http://schemas.microsoft.com/office/drawing/2010/main" w="9525">
                   <a:solidFill>
                     <a:srgbClr val="000000"/>
                   </a:solidFill>
@@ -2785,7 +2787,7 @@
             </a:ln>
             <a:extLst>
               <a:ext uri="{91240B29-F687-4f45-9708-019B960494DF}">
-                <a14:hiddenLine xmlns:a14="http://schemas.microsoft.com/office/drawing/2010/main" xmlns="" w="9525">
+                <a14:hiddenLine xmlns="" xmlns:a14="http://schemas.microsoft.com/office/drawing/2010/main" w="9525">
                   <a:solidFill>
                     <a:srgbClr val="000000"/>
                   </a:solidFill>
@@ -2875,7 +2877,7 @@
             </a:ln>
             <a:extLst>
               <a:ext uri="{91240B29-F687-4f45-9708-019B960494DF}">
-                <a14:hiddenLine xmlns:a14="http://schemas.microsoft.com/office/drawing/2010/main" xmlns="" w="9525">
+                <a14:hiddenLine xmlns="" xmlns:a14="http://schemas.microsoft.com/office/drawing/2010/main" w="9525">
                   <a:solidFill>
                     <a:srgbClr val="000000"/>
                   </a:solidFill>
@@ -2943,7 +2945,7 @@
             </a:ln>
             <a:extLst>
               <a:ext uri="{91240B29-F687-4f45-9708-019B960494DF}">
-                <a14:hiddenLine xmlns:a14="http://schemas.microsoft.com/office/drawing/2010/main" xmlns="" w="9525">
+                <a14:hiddenLine xmlns="" xmlns:a14="http://schemas.microsoft.com/office/drawing/2010/main" w="9525">
                   <a:solidFill>
                     <a:srgbClr val="000000"/>
                   </a:solidFill>
@@ -3033,7 +3035,7 @@
             </a:ln>
             <a:extLst>
               <a:ext uri="{91240B29-F687-4f45-9708-019B960494DF}">
-                <a14:hiddenLine xmlns:a14="http://schemas.microsoft.com/office/drawing/2010/main" xmlns="" w="9525">
+                <a14:hiddenLine xmlns="" xmlns:a14="http://schemas.microsoft.com/office/drawing/2010/main" w="9525">
                   <a:solidFill>
                     <a:srgbClr val="000000"/>
                   </a:solidFill>
@@ -3067,7 +3069,7 @@
             </a:ln>
             <a:extLst>
               <a:ext uri="{91240B29-F687-4f45-9708-019B960494DF}">
-                <a14:hiddenLine xmlns:a14="http://schemas.microsoft.com/office/drawing/2010/main" xmlns="" w="9525">
+                <a14:hiddenLine xmlns="" xmlns:a14="http://schemas.microsoft.com/office/drawing/2010/main" w="9525">
                   <a:solidFill>
                     <a:srgbClr val="000000"/>
                   </a:solidFill>
@@ -3157,7 +3159,7 @@
             </a:ln>
             <a:extLst>
               <a:ext uri="{91240B29-F687-4f45-9708-019B960494DF}">
-                <a14:hiddenLine xmlns:a14="http://schemas.microsoft.com/office/drawing/2010/main" xmlns="" w="9525">
+                <a14:hiddenLine xmlns="" xmlns:a14="http://schemas.microsoft.com/office/drawing/2010/main" w="9525">
                   <a:solidFill>
                     <a:srgbClr val="000000"/>
                   </a:solidFill>
@@ -3219,7 +3221,7 @@
             </a:ln>
             <a:extLst>
               <a:ext uri="{91240B29-F687-4f45-9708-019B960494DF}">
-                <a14:hiddenLine xmlns:a14="http://schemas.microsoft.com/office/drawing/2010/main" xmlns="" w="9525">
+                <a14:hiddenLine xmlns="" xmlns:a14="http://schemas.microsoft.com/office/drawing/2010/main" w="9525">
                   <a:solidFill>
                     <a:srgbClr val="000000"/>
                   </a:solidFill>
@@ -3281,7 +3283,7 @@
             </a:ln>
             <a:extLst>
               <a:ext uri="{91240B29-F687-4f45-9708-019B960494DF}">
-                <a14:hiddenLine xmlns:a14="http://schemas.microsoft.com/office/drawing/2010/main" xmlns="" w="9525">
+                <a14:hiddenLine xmlns="" xmlns:a14="http://schemas.microsoft.com/office/drawing/2010/main" w="9525">
                   <a:solidFill>
                     <a:srgbClr val="000000"/>
                   </a:solidFill>
@@ -3371,7 +3373,7 @@
             </a:ln>
             <a:extLst>
               <a:ext uri="{91240B29-F687-4f45-9708-019B960494DF}">
-                <a14:hiddenLine xmlns:a14="http://schemas.microsoft.com/office/drawing/2010/main" xmlns="" w="9525">
+                <a14:hiddenLine xmlns="" xmlns:a14="http://schemas.microsoft.com/office/drawing/2010/main" w="9525">
                   <a:solidFill>
                     <a:srgbClr val="000000"/>
                   </a:solidFill>
@@ -3439,7 +3441,7 @@
             </a:ln>
             <a:extLst>
               <a:ext uri="{91240B29-F687-4f45-9708-019B960494DF}">
-                <a14:hiddenLine xmlns:a14="http://schemas.microsoft.com/office/drawing/2010/main" xmlns="" w="9525">
+                <a14:hiddenLine xmlns="" xmlns:a14="http://schemas.microsoft.com/office/drawing/2010/main" w="9525">
                   <a:solidFill>
                     <a:srgbClr val="000000"/>
                   </a:solidFill>
@@ -3501,7 +3503,7 @@
             </a:ln>
             <a:extLst>
               <a:ext uri="{91240B29-F687-4f45-9708-019B960494DF}">
-                <a14:hiddenLine xmlns:a14="http://schemas.microsoft.com/office/drawing/2010/main" xmlns="" w="9525">
+                <a14:hiddenLine xmlns="" xmlns:a14="http://schemas.microsoft.com/office/drawing/2010/main" w="9525">
                   <a:solidFill>
                     <a:srgbClr val="000000"/>
                   </a:solidFill>
@@ -3591,7 +3593,7 @@
             </a:ln>
             <a:extLst>
               <a:ext uri="{91240B29-F687-4f45-9708-019B960494DF}">
-                <a14:hiddenLine xmlns:a14="http://schemas.microsoft.com/office/drawing/2010/main" xmlns="" w="9525">
+                <a14:hiddenLine xmlns="" xmlns:a14="http://schemas.microsoft.com/office/drawing/2010/main" w="9525">
                   <a:solidFill>
                     <a:srgbClr val="000000"/>
                   </a:solidFill>
@@ -3653,7 +3655,7 @@
             </a:ln>
             <a:extLst>
               <a:ext uri="{91240B29-F687-4f45-9708-019B960494DF}">
-                <a14:hiddenLine xmlns:a14="http://schemas.microsoft.com/office/drawing/2010/main" xmlns="" w="9525">
+                <a14:hiddenLine xmlns="" xmlns:a14="http://schemas.microsoft.com/office/drawing/2010/main" w="9525">
                   <a:solidFill>
                     <a:srgbClr val="000000"/>
                   </a:solidFill>
@@ -3743,7 +3745,7 @@
             </a:ln>
             <a:extLst>
               <a:ext uri="{91240B29-F687-4f45-9708-019B960494DF}">
-                <a14:hiddenLine xmlns:a14="http://schemas.microsoft.com/office/drawing/2010/main" xmlns="" w="9525">
+                <a14:hiddenLine xmlns="" xmlns:a14="http://schemas.microsoft.com/office/drawing/2010/main" w="9525">
                   <a:solidFill>
                     <a:srgbClr val="000000"/>
                   </a:solidFill>
@@ -3805,7 +3807,7 @@
             </a:ln>
             <a:extLst>
               <a:ext uri="{91240B29-F687-4f45-9708-019B960494DF}">
-                <a14:hiddenLine xmlns:a14="http://schemas.microsoft.com/office/drawing/2010/main" xmlns="" w="9525">
+                <a14:hiddenLine xmlns="" xmlns:a14="http://schemas.microsoft.com/office/drawing/2010/main" w="9525">
                   <a:solidFill>
                     <a:srgbClr val="000000"/>
                   </a:solidFill>
@@ -3895,7 +3897,7 @@
             </a:ln>
             <a:extLst>
               <a:ext uri="{91240B29-F687-4f45-9708-019B960494DF}">
-                <a14:hiddenLine xmlns:a14="http://schemas.microsoft.com/office/drawing/2010/main" xmlns="" w="9525">
+                <a14:hiddenLine xmlns="" xmlns:a14="http://schemas.microsoft.com/office/drawing/2010/main" w="9525">
                   <a:solidFill>
                     <a:srgbClr val="000000"/>
                   </a:solidFill>
@@ -3929,7 +3931,7 @@
             </a:ln>
             <a:extLst>
               <a:ext uri="{91240B29-F687-4f45-9708-019B960494DF}">
-                <a14:hiddenLine xmlns:a14="http://schemas.microsoft.com/office/drawing/2010/main" xmlns="" w="9525">
+                <a14:hiddenLine xmlns="" xmlns:a14="http://schemas.microsoft.com/office/drawing/2010/main" w="9525">
                   <a:solidFill>
                     <a:srgbClr val="000000"/>
                   </a:solidFill>
@@ -3994,7 +3996,7 @@
             </a:ln>
             <a:extLst>
               <a:ext uri="{91240B29-F687-4f45-9708-019B960494DF}">
-                <a14:hiddenLine xmlns:a14="http://schemas.microsoft.com/office/drawing/2010/main" xmlns="" w="9525">
+                <a14:hiddenLine xmlns="" xmlns:a14="http://schemas.microsoft.com/office/drawing/2010/main" w="9525">
                   <a:solidFill>
                     <a:srgbClr val="000000"/>
                   </a:solidFill>
@@ -4084,7 +4086,7 @@
             </a:ln>
             <a:extLst>
               <a:ext uri="{91240B29-F687-4f45-9708-019B960494DF}">
-                <a14:hiddenLine xmlns:a14="http://schemas.microsoft.com/office/drawing/2010/main" xmlns="" w="9525">
+                <a14:hiddenLine xmlns="" xmlns:a14="http://schemas.microsoft.com/office/drawing/2010/main" w="9525">
                   <a:solidFill>
                     <a:srgbClr val="000000"/>
                   </a:solidFill>
@@ -4146,7 +4148,7 @@
             </a:ln>
             <a:extLst>
               <a:ext uri="{91240B29-F687-4f45-9708-019B960494DF}">
-                <a14:hiddenLine xmlns:a14="http://schemas.microsoft.com/office/drawing/2010/main" xmlns="" w="9525">
+                <a14:hiddenLine xmlns="" xmlns:a14="http://schemas.microsoft.com/office/drawing/2010/main" w="9525">
                   <a:solidFill>
                     <a:srgbClr val="000000"/>
                   </a:solidFill>
@@ -4236,7 +4238,7 @@
             </a:ln>
             <a:extLst>
               <a:ext uri="{91240B29-F687-4f45-9708-019B960494DF}">
-                <a14:hiddenLine xmlns:a14="http://schemas.microsoft.com/office/drawing/2010/main" xmlns="" w="9525">
+                <a14:hiddenLine xmlns="" xmlns:a14="http://schemas.microsoft.com/office/drawing/2010/main" w="9525">
                   <a:solidFill>
                     <a:srgbClr val="000000"/>
                   </a:solidFill>
@@ -4326,7 +4328,7 @@
             </a:ln>
             <a:extLst>
               <a:ext uri="{91240B29-F687-4f45-9708-019B960494DF}">
-                <a14:hiddenLine xmlns:a14="http://schemas.microsoft.com/office/drawing/2010/main" xmlns="" w="9525">
+                <a14:hiddenLine xmlns="" xmlns:a14="http://schemas.microsoft.com/office/drawing/2010/main" w="9525">
                   <a:solidFill>
                     <a:srgbClr val="000000"/>
                   </a:solidFill>
@@ -4391,7 +4393,7 @@
             </a:ln>
             <a:extLst>
               <a:ext uri="{91240B29-F687-4f45-9708-019B960494DF}">
-                <a14:hiddenLine xmlns:a14="http://schemas.microsoft.com/office/drawing/2010/main" xmlns="" w="9525">
+                <a14:hiddenLine xmlns="" xmlns:a14="http://schemas.microsoft.com/office/drawing/2010/main" w="9525">
                   <a:solidFill>
                     <a:srgbClr val="000000"/>
                   </a:solidFill>
@@ -4453,7 +4455,7 @@
             </a:ln>
             <a:extLst>
               <a:ext uri="{91240B29-F687-4f45-9708-019B960494DF}">
-                <a14:hiddenLine xmlns:a14="http://schemas.microsoft.com/office/drawing/2010/main" xmlns="" w="9525">
+                <a14:hiddenLine xmlns="" xmlns:a14="http://schemas.microsoft.com/office/drawing/2010/main" w="9525">
                   <a:solidFill>
                     <a:srgbClr val="000000"/>
                   </a:solidFill>
@@ -4543,7 +4545,7 @@
             </a:ln>
             <a:extLst>
               <a:ext uri="{91240B29-F687-4f45-9708-019B960494DF}">
-                <a14:hiddenLine xmlns:a14="http://schemas.microsoft.com/office/drawing/2010/main" xmlns="" w="9525">
+                <a14:hiddenLine xmlns="" xmlns:a14="http://schemas.microsoft.com/office/drawing/2010/main" w="9525">
                   <a:solidFill>
                     <a:srgbClr val="000000"/>
                   </a:solidFill>
@@ -4633,7 +4635,7 @@
             </a:ln>
             <a:extLst>
               <a:ext uri="{91240B29-F687-4f45-9708-019B960494DF}">
-                <a14:hiddenLine xmlns:a14="http://schemas.microsoft.com/office/drawing/2010/main" xmlns="" w="9525">
+                <a14:hiddenLine xmlns="" xmlns:a14="http://schemas.microsoft.com/office/drawing/2010/main" w="9525">
                   <a:solidFill>
                     <a:srgbClr val="000000"/>
                   </a:solidFill>
@@ -4695,7 +4697,7 @@
             </a:ln>
             <a:extLst>
               <a:ext uri="{91240B29-F687-4f45-9708-019B960494DF}">
-                <a14:hiddenLine xmlns:a14="http://schemas.microsoft.com/office/drawing/2010/main" xmlns="" w="9525">
+                <a14:hiddenLine xmlns="" xmlns:a14="http://schemas.microsoft.com/office/drawing/2010/main" w="9525">
                   <a:solidFill>
                     <a:srgbClr val="000000"/>
                   </a:solidFill>
@@ -4815,7 +4817,7 @@
             </a:ln>
             <a:extLst>
               <a:ext uri="{91240B29-F687-4f45-9708-019B960494DF}">
-                <a14:hiddenLine xmlns:a14="http://schemas.microsoft.com/office/drawing/2010/main" xmlns="" w="9525">
+                <a14:hiddenLine xmlns="" xmlns:a14="http://schemas.microsoft.com/office/drawing/2010/main" w="9525">
                   <a:solidFill>
                     <a:srgbClr val="000000"/>
                   </a:solidFill>
@@ -4883,7 +4885,7 @@
             </a:ln>
             <a:extLst>
               <a:ext uri="{91240B29-F687-4f45-9708-019B960494DF}">
-                <a14:hiddenLine xmlns:a14="http://schemas.microsoft.com/office/drawing/2010/main" xmlns="" w="9525">
+                <a14:hiddenLine xmlns="" xmlns:a14="http://schemas.microsoft.com/office/drawing/2010/main" w="9525">
                   <a:solidFill>
                     <a:srgbClr val="000000"/>
                   </a:solidFill>
@@ -4973,7 +4975,7 @@
             </a:ln>
             <a:extLst>
               <a:ext uri="{91240B29-F687-4f45-9708-019B960494DF}">
-                <a14:hiddenLine xmlns:a14="http://schemas.microsoft.com/office/drawing/2010/main" xmlns="" w="9525">
+                <a14:hiddenLine xmlns="" xmlns:a14="http://schemas.microsoft.com/office/drawing/2010/main" w="9525">
                   <a:solidFill>
                     <a:srgbClr val="000000"/>
                   </a:solidFill>
@@ -5113,7 +5115,7 @@
           <a:p>
             <a:fld id="{A14B9F74-3990-45A6-9411-0C17A8CF851C}" type="datetimeFigureOut">
               <a:rPr lang="ru-RU" smtClean="0"/>
-              <a:t>16-03-2023</a:t>
+              <a:t>02-04-2023</a:t>
             </a:fld>
             <a:endParaRPr lang="ru-RU"/>
           </a:p>
@@ -5380,7 +5382,7 @@
           <a:p>
             <a:fld id="{A14B9F74-3990-45A6-9411-0C17A8CF851C}" type="datetimeFigureOut">
               <a:rPr lang="ru-RU" smtClean="0"/>
-              <a:t>16-03-2023</a:t>
+              <a:t>02-04-2023</a:t>
             </a:fld>
             <a:endParaRPr lang="ru-RU"/>
           </a:p>
@@ -5576,7 +5578,7 @@
           <a:p>
             <a:fld id="{A14B9F74-3990-45A6-9411-0C17A8CF851C}" type="datetimeFigureOut">
               <a:rPr lang="ru-RU" smtClean="0"/>
-              <a:t>16-03-2023</a:t>
+              <a:t>02-04-2023</a:t>
             </a:fld>
             <a:endParaRPr lang="ru-RU"/>
           </a:p>
@@ -5839,7 +5841,7 @@
           <a:p>
             <a:fld id="{A14B9F74-3990-45A6-9411-0C17A8CF851C}" type="datetimeFigureOut">
               <a:rPr lang="ru-RU" smtClean="0"/>
-              <a:t>16-03-2023</a:t>
+              <a:t>02-04-2023</a:t>
             </a:fld>
             <a:endParaRPr lang="ru-RU"/>
           </a:p>
@@ -6273,7 +6275,7 @@
           <a:p>
             <a:fld id="{A14B9F74-3990-45A6-9411-0C17A8CF851C}" type="datetimeFigureOut">
               <a:rPr lang="ru-RU" smtClean="0"/>
-              <a:t>16-03-2023</a:t>
+              <a:t>02-04-2023</a:t>
             </a:fld>
             <a:endParaRPr lang="ru-RU"/>
           </a:p>
@@ -6819,7 +6821,7 @@
           <a:p>
             <a:fld id="{A14B9F74-3990-45A6-9411-0C17A8CF851C}" type="datetimeFigureOut">
               <a:rPr lang="ru-RU" smtClean="0"/>
-              <a:t>16-03-2023</a:t>
+              <a:t>02-04-2023</a:t>
             </a:fld>
             <a:endParaRPr lang="ru-RU"/>
           </a:p>
@@ -7539,7 +7541,7 @@
           <a:p>
             <a:fld id="{A14B9F74-3990-45A6-9411-0C17A8CF851C}" type="datetimeFigureOut">
               <a:rPr lang="ru-RU" smtClean="0"/>
-              <a:t>16-03-2023</a:t>
+              <a:t>02-04-2023</a:t>
             </a:fld>
             <a:endParaRPr lang="ru-RU"/>
           </a:p>
@@ -7709,7 +7711,7 @@
           <a:p>
             <a:fld id="{A14B9F74-3990-45A6-9411-0C17A8CF851C}" type="datetimeFigureOut">
               <a:rPr lang="ru-RU" smtClean="0"/>
-              <a:t>16-03-2023</a:t>
+              <a:t>02-04-2023</a:t>
             </a:fld>
             <a:endParaRPr lang="ru-RU"/>
           </a:p>
@@ -7889,7 +7891,7 @@
           <a:p>
             <a:fld id="{A14B9F74-3990-45A6-9411-0C17A8CF851C}" type="datetimeFigureOut">
               <a:rPr lang="ru-RU" smtClean="0"/>
-              <a:t>16-03-2023</a:t>
+              <a:t>02-04-2023</a:t>
             </a:fld>
             <a:endParaRPr lang="ru-RU"/>
           </a:p>
@@ -8059,7 +8061,7 @@
           <a:p>
             <a:fld id="{A14B9F74-3990-45A6-9411-0C17A8CF851C}" type="datetimeFigureOut">
               <a:rPr lang="ru-RU" smtClean="0"/>
-              <a:t>16-03-2023</a:t>
+              <a:t>02-04-2023</a:t>
             </a:fld>
             <a:endParaRPr lang="ru-RU"/>
           </a:p>
@@ -8309,7 +8311,7 @@
           <a:p>
             <a:fld id="{A14B9F74-3990-45A6-9411-0C17A8CF851C}" type="datetimeFigureOut">
               <a:rPr lang="ru-RU" smtClean="0"/>
-              <a:t>16-03-2023</a:t>
+              <a:t>02-04-2023</a:t>
             </a:fld>
             <a:endParaRPr lang="ru-RU"/>
           </a:p>
@@ -8541,7 +8543,7 @@
           <a:p>
             <a:fld id="{A14B9F74-3990-45A6-9411-0C17A8CF851C}" type="datetimeFigureOut">
               <a:rPr lang="ru-RU" smtClean="0"/>
-              <a:t>16-03-2023</a:t>
+              <a:t>02-04-2023</a:t>
             </a:fld>
             <a:endParaRPr lang="ru-RU"/>
           </a:p>
@@ -8922,7 +8924,7 @@
           <a:p>
             <a:fld id="{A14B9F74-3990-45A6-9411-0C17A8CF851C}" type="datetimeFigureOut">
               <a:rPr lang="ru-RU" smtClean="0"/>
-              <a:t>16-03-2023</a:t>
+              <a:t>02-04-2023</a:t>
             </a:fld>
             <a:endParaRPr lang="ru-RU"/>
           </a:p>
@@ -9040,7 +9042,7 @@
           <a:p>
             <a:fld id="{A14B9F74-3990-45A6-9411-0C17A8CF851C}" type="datetimeFigureOut">
               <a:rPr lang="ru-RU" smtClean="0"/>
-              <a:t>16-03-2023</a:t>
+              <a:t>02-04-2023</a:t>
             </a:fld>
             <a:endParaRPr lang="ru-RU"/>
           </a:p>
@@ -9135,7 +9137,7 @@
           <a:p>
             <a:fld id="{A14B9F74-3990-45A6-9411-0C17A8CF851C}" type="datetimeFigureOut">
               <a:rPr lang="ru-RU" smtClean="0"/>
-              <a:t>16-03-2023</a:t>
+              <a:t>02-04-2023</a:t>
             </a:fld>
             <a:endParaRPr lang="ru-RU"/>
           </a:p>
@@ -9384,7 +9386,7 @@
           <a:p>
             <a:fld id="{A14B9F74-3990-45A6-9411-0C17A8CF851C}" type="datetimeFigureOut">
               <a:rPr lang="ru-RU" smtClean="0"/>
-              <a:t>16-03-2023</a:t>
+              <a:t>02-04-2023</a:t>
             </a:fld>
             <a:endParaRPr lang="ru-RU"/>
           </a:p>
@@ -9664,7 +9666,7 @@
           <a:p>
             <a:fld id="{A14B9F74-3990-45A6-9411-0C17A8CF851C}" type="datetimeFigureOut">
               <a:rPr lang="ru-RU" smtClean="0"/>
-              <a:t>16-03-2023</a:t>
+              <a:t>02-04-2023</a:t>
             </a:fld>
             <a:endParaRPr lang="ru-RU"/>
           </a:p>
@@ -9787,7 +9789,7 @@
           <a:noFill/>
           <a:extLst>
             <a:ext uri="{909E8E84-426E-40dd-AFC4-6F175D3DCCD1}">
-              <a14:hiddenFill xmlns:a14="http://schemas.microsoft.com/office/drawing/2010/main" xmlns="">
+              <a14:hiddenFill xmlns="" xmlns:a14="http://schemas.microsoft.com/office/drawing/2010/main">
                 <a:solidFill>
                   <a:srgbClr val="FFFFFF"/>
                 </a:solidFill>
@@ -9861,7 +9863,7 @@
               </a:ln>
               <a:extLst>
                 <a:ext uri="{91240B29-F687-4f45-9708-019B960494DF}">
-                  <a14:hiddenLine xmlns:a14="http://schemas.microsoft.com/office/drawing/2010/main" xmlns="" w="9525">
+                  <a14:hiddenLine xmlns="" xmlns:a14="http://schemas.microsoft.com/office/drawing/2010/main" w="9525">
                     <a:solidFill>
                       <a:srgbClr val="000000"/>
                     </a:solidFill>
@@ -9951,7 +9953,7 @@
               </a:ln>
               <a:extLst>
                 <a:ext uri="{91240B29-F687-4f45-9708-019B960494DF}">
-                  <a14:hiddenLine xmlns:a14="http://schemas.microsoft.com/office/drawing/2010/main" xmlns="" w="9525">
+                  <a14:hiddenLine xmlns="" xmlns:a14="http://schemas.microsoft.com/office/drawing/2010/main" w="9525">
                     <a:solidFill>
                       <a:srgbClr val="000000"/>
                     </a:solidFill>
@@ -10041,7 +10043,7 @@
               </a:ln>
               <a:extLst>
                 <a:ext uri="{91240B29-F687-4f45-9708-019B960494DF}">
-                  <a14:hiddenLine xmlns:a14="http://schemas.microsoft.com/office/drawing/2010/main" xmlns="" w="9525">
+                  <a14:hiddenLine xmlns="" xmlns:a14="http://schemas.microsoft.com/office/drawing/2010/main" w="9525">
                     <a:solidFill>
                       <a:srgbClr val="000000"/>
                     </a:solidFill>
@@ -10103,7 +10105,7 @@
               </a:ln>
               <a:extLst>
                 <a:ext uri="{91240B29-F687-4f45-9708-019B960494DF}">
-                  <a14:hiddenLine xmlns:a14="http://schemas.microsoft.com/office/drawing/2010/main" xmlns="" w="9525">
+                  <a14:hiddenLine xmlns="" xmlns:a14="http://schemas.microsoft.com/office/drawing/2010/main" w="9525">
                     <a:solidFill>
                       <a:srgbClr val="000000"/>
                     </a:solidFill>
@@ -10193,7 +10195,7 @@
               </a:ln>
               <a:extLst>
                 <a:ext uri="{91240B29-F687-4f45-9708-019B960494DF}">
-                  <a14:hiddenLine xmlns:a14="http://schemas.microsoft.com/office/drawing/2010/main" xmlns="" w="9525">
+                  <a14:hiddenLine xmlns="" xmlns:a14="http://schemas.microsoft.com/office/drawing/2010/main" w="9525">
                     <a:solidFill>
                       <a:srgbClr val="000000"/>
                     </a:solidFill>
@@ -10255,7 +10257,7 @@
               </a:ln>
               <a:extLst>
                 <a:ext uri="{91240B29-F687-4f45-9708-019B960494DF}">
-                  <a14:hiddenLine xmlns:a14="http://schemas.microsoft.com/office/drawing/2010/main" xmlns="" w="9525">
+                  <a14:hiddenLine xmlns="" xmlns:a14="http://schemas.microsoft.com/office/drawing/2010/main" w="9525">
                     <a:solidFill>
                       <a:srgbClr val="000000"/>
                     </a:solidFill>
@@ -10317,7 +10319,7 @@
               </a:ln>
               <a:extLst>
                 <a:ext uri="{91240B29-F687-4f45-9708-019B960494DF}">
-                  <a14:hiddenLine xmlns:a14="http://schemas.microsoft.com/office/drawing/2010/main" xmlns="" w="9525">
+                  <a14:hiddenLine xmlns="" xmlns:a14="http://schemas.microsoft.com/office/drawing/2010/main" w="9525">
                     <a:solidFill>
                       <a:srgbClr val="000000"/>
                     </a:solidFill>
@@ -10407,7 +10409,7 @@
               </a:ln>
               <a:extLst>
                 <a:ext uri="{91240B29-F687-4f45-9708-019B960494DF}">
-                  <a14:hiddenLine xmlns:a14="http://schemas.microsoft.com/office/drawing/2010/main" xmlns="" w="9525">
+                  <a14:hiddenLine xmlns="" xmlns:a14="http://schemas.microsoft.com/office/drawing/2010/main" w="9525">
                     <a:solidFill>
                       <a:srgbClr val="000000"/>
                     </a:solidFill>
@@ -10497,7 +10499,7 @@
               </a:ln>
               <a:extLst>
                 <a:ext uri="{91240B29-F687-4f45-9708-019B960494DF}">
-                  <a14:hiddenLine xmlns:a14="http://schemas.microsoft.com/office/drawing/2010/main" xmlns="" w="9525">
+                  <a14:hiddenLine xmlns="" xmlns:a14="http://schemas.microsoft.com/office/drawing/2010/main" w="9525">
                     <a:solidFill>
                       <a:srgbClr val="000000"/>
                     </a:solidFill>
@@ -10559,7 +10561,7 @@
               </a:ln>
               <a:extLst>
                 <a:ext uri="{91240B29-F687-4f45-9708-019B960494DF}">
-                  <a14:hiddenLine xmlns:a14="http://schemas.microsoft.com/office/drawing/2010/main" xmlns="" w="9525">
+                  <a14:hiddenLine xmlns="" xmlns:a14="http://schemas.microsoft.com/office/drawing/2010/main" w="9525">
                     <a:solidFill>
                       <a:srgbClr val="000000"/>
                     </a:solidFill>
@@ -10669,7 +10671,7 @@
               </a:ln>
               <a:extLst>
                 <a:ext uri="{91240B29-F687-4f45-9708-019B960494DF}">
-                  <a14:hiddenLine xmlns:a14="http://schemas.microsoft.com/office/drawing/2010/main" xmlns="" w="9525">
+                  <a14:hiddenLine xmlns="" xmlns:a14="http://schemas.microsoft.com/office/drawing/2010/main" w="9525">
                     <a:solidFill>
                       <a:srgbClr val="000000"/>
                     </a:solidFill>
@@ -10753,7 +10755,7 @@
               </a:ln>
               <a:extLst>
                 <a:ext uri="{91240B29-F687-4f45-9708-019B960494DF}">
-                  <a14:hiddenLine xmlns:a14="http://schemas.microsoft.com/office/drawing/2010/main" xmlns="" w="9525">
+                  <a14:hiddenLine xmlns="" xmlns:a14="http://schemas.microsoft.com/office/drawing/2010/main" w="9525">
                     <a:solidFill>
                       <a:srgbClr val="000000"/>
                     </a:solidFill>
@@ -10815,7 +10817,7 @@
               </a:ln>
               <a:extLst>
                 <a:ext uri="{91240B29-F687-4f45-9708-019B960494DF}">
-                  <a14:hiddenLine xmlns:a14="http://schemas.microsoft.com/office/drawing/2010/main" xmlns="" w="9525">
+                  <a14:hiddenLine xmlns="" xmlns:a14="http://schemas.microsoft.com/office/drawing/2010/main" w="9525">
                     <a:solidFill>
                       <a:srgbClr val="000000"/>
                     </a:solidFill>
@@ -10877,7 +10879,7 @@
               </a:ln>
               <a:extLst>
                 <a:ext uri="{91240B29-F687-4f45-9708-019B960494DF}">
-                  <a14:hiddenLine xmlns:a14="http://schemas.microsoft.com/office/drawing/2010/main" xmlns="" w="9525">
+                  <a14:hiddenLine xmlns="" xmlns:a14="http://schemas.microsoft.com/office/drawing/2010/main" w="9525">
                     <a:solidFill>
                       <a:srgbClr val="000000"/>
                     </a:solidFill>
@@ -10967,7 +10969,7 @@
               </a:ln>
               <a:extLst>
                 <a:ext uri="{91240B29-F687-4f45-9708-019B960494DF}">
-                  <a14:hiddenLine xmlns:a14="http://schemas.microsoft.com/office/drawing/2010/main" xmlns="" w="9525">
+                  <a14:hiddenLine xmlns="" xmlns:a14="http://schemas.microsoft.com/office/drawing/2010/main" w="9525">
                     <a:solidFill>
                       <a:srgbClr val="000000"/>
                     </a:solidFill>
@@ -11001,7 +11003,7 @@
               </a:ln>
               <a:extLst>
                 <a:ext uri="{91240B29-F687-4f45-9708-019B960494DF}">
-                  <a14:hiddenLine xmlns:a14="http://schemas.microsoft.com/office/drawing/2010/main" xmlns="" w="9525">
+                  <a14:hiddenLine xmlns="" xmlns:a14="http://schemas.microsoft.com/office/drawing/2010/main" w="9525">
                     <a:solidFill>
                       <a:srgbClr val="000000"/>
                     </a:solidFill>
@@ -11066,7 +11068,7 @@
               </a:ln>
               <a:extLst>
                 <a:ext uri="{91240B29-F687-4f45-9708-019B960494DF}">
-                  <a14:hiddenLine xmlns:a14="http://schemas.microsoft.com/office/drawing/2010/main" xmlns="" w="9525">
+                  <a14:hiddenLine xmlns="" xmlns:a14="http://schemas.microsoft.com/office/drawing/2010/main" w="9525">
                     <a:solidFill>
                       <a:srgbClr val="000000"/>
                     </a:solidFill>
@@ -11156,7 +11158,7 @@
               </a:ln>
               <a:extLst>
                 <a:ext uri="{91240B29-F687-4f45-9708-019B960494DF}">
-                  <a14:hiddenLine xmlns:a14="http://schemas.microsoft.com/office/drawing/2010/main" xmlns="" w="9525">
+                  <a14:hiddenLine xmlns="" xmlns:a14="http://schemas.microsoft.com/office/drawing/2010/main" w="9525">
                     <a:solidFill>
                       <a:srgbClr val="000000"/>
                     </a:solidFill>
@@ -11218,7 +11220,7 @@
               </a:ln>
               <a:extLst>
                 <a:ext uri="{91240B29-F687-4f45-9708-019B960494DF}">
-                  <a14:hiddenLine xmlns:a14="http://schemas.microsoft.com/office/drawing/2010/main" xmlns="" w="9525">
+                  <a14:hiddenLine xmlns="" xmlns:a14="http://schemas.microsoft.com/office/drawing/2010/main" w="9525">
                     <a:solidFill>
                       <a:srgbClr val="000000"/>
                     </a:solidFill>
@@ -11308,7 +11310,7 @@
               </a:ln>
               <a:extLst>
                 <a:ext uri="{91240B29-F687-4f45-9708-019B960494DF}">
-                  <a14:hiddenLine xmlns:a14="http://schemas.microsoft.com/office/drawing/2010/main" xmlns="" w="9525">
+                  <a14:hiddenLine xmlns="" xmlns:a14="http://schemas.microsoft.com/office/drawing/2010/main" w="9525">
                     <a:solidFill>
                       <a:srgbClr val="000000"/>
                     </a:solidFill>
@@ -11373,7 +11375,7 @@
               </a:ln>
               <a:extLst>
                 <a:ext uri="{91240B29-F687-4f45-9708-019B960494DF}">
-                  <a14:hiddenLine xmlns:a14="http://schemas.microsoft.com/office/drawing/2010/main" xmlns="" w="9525">
+                  <a14:hiddenLine xmlns="" xmlns:a14="http://schemas.microsoft.com/office/drawing/2010/main" w="9525">
                     <a:solidFill>
                       <a:srgbClr val="000000"/>
                     </a:solidFill>
@@ -11435,7 +11437,7 @@
               </a:ln>
               <a:extLst>
                 <a:ext uri="{91240B29-F687-4f45-9708-019B960494DF}">
-                  <a14:hiddenLine xmlns:a14="http://schemas.microsoft.com/office/drawing/2010/main" xmlns="" w="9525">
+                  <a14:hiddenLine xmlns="" xmlns:a14="http://schemas.microsoft.com/office/drawing/2010/main" w="9525">
                     <a:solidFill>
                       <a:srgbClr val="000000"/>
                     </a:solidFill>
@@ -11525,7 +11527,7 @@
               </a:ln>
               <a:extLst>
                 <a:ext uri="{91240B29-F687-4f45-9708-019B960494DF}">
-                  <a14:hiddenLine xmlns:a14="http://schemas.microsoft.com/office/drawing/2010/main" xmlns="" w="9525">
+                  <a14:hiddenLine xmlns="" xmlns:a14="http://schemas.microsoft.com/office/drawing/2010/main" w="9525">
                     <a:solidFill>
                       <a:srgbClr val="000000"/>
                     </a:solidFill>
@@ -11615,7 +11617,7 @@
               </a:ln>
               <a:extLst>
                 <a:ext uri="{91240B29-F687-4f45-9708-019B960494DF}">
-                  <a14:hiddenLine xmlns:a14="http://schemas.microsoft.com/office/drawing/2010/main" xmlns="" w="9525">
+                  <a14:hiddenLine xmlns="" xmlns:a14="http://schemas.microsoft.com/office/drawing/2010/main" w="9525">
                     <a:solidFill>
                       <a:srgbClr val="000000"/>
                     </a:solidFill>
@@ -11680,7 +11682,7 @@
               </a:ln>
               <a:extLst>
                 <a:ext uri="{91240B29-F687-4f45-9708-019B960494DF}">
-                  <a14:hiddenLine xmlns:a14="http://schemas.microsoft.com/office/drawing/2010/main" xmlns="" w="9525">
+                  <a14:hiddenLine xmlns="" xmlns:a14="http://schemas.microsoft.com/office/drawing/2010/main" w="9525">
                     <a:solidFill>
                       <a:srgbClr val="000000"/>
                     </a:solidFill>
@@ -11800,7 +11802,7 @@
               </a:ln>
               <a:extLst>
                 <a:ext uri="{91240B29-F687-4f45-9708-019B960494DF}">
-                  <a14:hiddenLine xmlns:a14="http://schemas.microsoft.com/office/drawing/2010/main" xmlns="" w="9525">
+                  <a14:hiddenLine xmlns="" xmlns:a14="http://schemas.microsoft.com/office/drawing/2010/main" w="9525">
                     <a:solidFill>
                       <a:srgbClr val="000000"/>
                     </a:solidFill>
@@ -11881,7 +11883,7 @@
               </a:ln>
               <a:extLst>
                 <a:ext uri="{91240B29-F687-4f45-9708-019B960494DF}">
-                  <a14:hiddenLine xmlns:a14="http://schemas.microsoft.com/office/drawing/2010/main" xmlns="" w="9525">
+                  <a14:hiddenLine xmlns="" xmlns:a14="http://schemas.microsoft.com/office/drawing/2010/main" w="9525">
                     <a:solidFill>
                       <a:srgbClr val="000000"/>
                     </a:solidFill>
@@ -11996,7 +11998,7 @@
               </a:ln>
               <a:extLst>
                 <a:ext uri="{91240B29-F687-4f45-9708-019B960494DF}">
-                  <a14:hiddenLine xmlns:a14="http://schemas.microsoft.com/office/drawing/2010/main" xmlns="" w="9525">
+                  <a14:hiddenLine xmlns="" xmlns:a14="http://schemas.microsoft.com/office/drawing/2010/main" w="9525">
                     <a:solidFill>
                       <a:srgbClr val="000000"/>
                     </a:solidFill>
@@ -12086,7 +12088,7 @@
               </a:ln>
               <a:extLst>
                 <a:ext uri="{91240B29-F687-4f45-9708-019B960494DF}">
-                  <a14:hiddenLine xmlns:a14="http://schemas.microsoft.com/office/drawing/2010/main" xmlns="" w="9525">
+                  <a14:hiddenLine xmlns="" xmlns:a14="http://schemas.microsoft.com/office/drawing/2010/main" w="9525">
                     <a:solidFill>
                       <a:srgbClr val="000000"/>
                     </a:solidFill>
@@ -12151,7 +12153,7 @@
               </a:ln>
               <a:extLst>
                 <a:ext uri="{91240B29-F687-4f45-9708-019B960494DF}">
-                  <a14:hiddenLine xmlns:a14="http://schemas.microsoft.com/office/drawing/2010/main" xmlns="" w="9525">
+                  <a14:hiddenLine xmlns="" xmlns:a14="http://schemas.microsoft.com/office/drawing/2010/main" w="9525">
                     <a:solidFill>
                       <a:srgbClr val="000000"/>
                     </a:solidFill>
@@ -12241,7 +12243,7 @@
               </a:ln>
               <a:extLst>
                 <a:ext uri="{91240B29-F687-4f45-9708-019B960494DF}">
-                  <a14:hiddenLine xmlns:a14="http://schemas.microsoft.com/office/drawing/2010/main" xmlns="" w="9525">
+                  <a14:hiddenLine xmlns="" xmlns:a14="http://schemas.microsoft.com/office/drawing/2010/main" w="9525">
                     <a:solidFill>
                       <a:srgbClr val="000000"/>
                     </a:solidFill>
@@ -12309,7 +12311,7 @@
               </a:ln>
               <a:extLst>
                 <a:ext uri="{91240B29-F687-4f45-9708-019B960494DF}">
-                  <a14:hiddenLine xmlns:a14="http://schemas.microsoft.com/office/drawing/2010/main" xmlns="" w="9525">
+                  <a14:hiddenLine xmlns="" xmlns:a14="http://schemas.microsoft.com/office/drawing/2010/main" w="9525">
                     <a:solidFill>
                       <a:srgbClr val="000000"/>
                     </a:solidFill>
@@ -12399,7 +12401,7 @@
               </a:ln>
               <a:extLst>
                 <a:ext uri="{91240B29-F687-4f45-9708-019B960494DF}">
-                  <a14:hiddenLine xmlns:a14="http://schemas.microsoft.com/office/drawing/2010/main" xmlns="" w="9525">
+                  <a14:hiddenLine xmlns="" xmlns:a14="http://schemas.microsoft.com/office/drawing/2010/main" w="9525">
                     <a:solidFill>
                       <a:srgbClr val="000000"/>
                     </a:solidFill>
@@ -12467,7 +12469,7 @@
               </a:ln>
               <a:extLst>
                 <a:ext uri="{91240B29-F687-4f45-9708-019B960494DF}">
-                  <a14:hiddenLine xmlns:a14="http://schemas.microsoft.com/office/drawing/2010/main" xmlns="" w="9525">
+                  <a14:hiddenLine xmlns="" xmlns:a14="http://schemas.microsoft.com/office/drawing/2010/main" w="9525">
                     <a:solidFill>
                       <a:srgbClr val="000000"/>
                     </a:solidFill>
@@ -12557,7 +12559,7 @@
               </a:ln>
               <a:extLst>
                 <a:ext uri="{91240B29-F687-4f45-9708-019B960494DF}">
-                  <a14:hiddenLine xmlns:a14="http://schemas.microsoft.com/office/drawing/2010/main" xmlns="" w="9525">
+                  <a14:hiddenLine xmlns="" xmlns:a14="http://schemas.microsoft.com/office/drawing/2010/main" w="9525">
                     <a:solidFill>
                       <a:srgbClr val="000000"/>
                     </a:solidFill>
@@ -12591,7 +12593,7 @@
               </a:ln>
               <a:extLst>
                 <a:ext uri="{91240B29-F687-4f45-9708-019B960494DF}">
-                  <a14:hiddenLine xmlns:a14="http://schemas.microsoft.com/office/drawing/2010/main" xmlns="" w="9525">
+                  <a14:hiddenLine xmlns="" xmlns:a14="http://schemas.microsoft.com/office/drawing/2010/main" w="9525">
                     <a:solidFill>
                       <a:srgbClr val="000000"/>
                     </a:solidFill>
@@ -12731,7 +12733,7 @@
           <a:p>
             <a:fld id="{A14B9F74-3990-45A6-9411-0C17A8CF851C}" type="datetimeFigureOut">
               <a:rPr lang="ru-RU" smtClean="0"/>
-              <a:t>16-03-2023</a:t>
+              <a:t>02-04-2023</a:t>
             </a:fld>
             <a:endParaRPr lang="ru-RU"/>
           </a:p>
@@ -13321,6 +13323,71 @@
 </file>
 
 <file path=ppt/slides/slide11.xml><?xml version="1.0" encoding="utf-8"?>
+<p:sld xmlns:a="http://schemas.openxmlformats.org/drawingml/2006/main" xmlns:r="http://schemas.openxmlformats.org/officeDocument/2006/relationships" xmlns:p="http://schemas.openxmlformats.org/presentationml/2006/main">
+  <p:cSld>
+    <p:spTree>
+      <p:nvGrpSpPr>
+        <p:cNvPr id="1" name=""/>
+        <p:cNvGrpSpPr/>
+        <p:nvPr/>
+      </p:nvGrpSpPr>
+      <p:grpSpPr>
+        <a:xfrm>
+          <a:off x="0" y="0"/>
+          <a:ext cx="0" cy="0"/>
+          <a:chOff x="0" y="0"/>
+          <a:chExt cx="0" cy="0"/>
+        </a:xfrm>
+      </p:grpSpPr>
+      <p:sp>
+        <p:nvSpPr>
+          <p:cNvPr id="2" name="Заголовок 1"/>
+          <p:cNvSpPr>
+            <a:spLocks noGrp="1"/>
+          </p:cNvSpPr>
+          <p:nvPr>
+            <p:ph type="title"/>
+          </p:nvPr>
+        </p:nvSpPr>
+        <p:spPr>
+          <a:xfrm>
+            <a:off x="2286002" y="1954023"/>
+            <a:ext cx="9905998" cy="1478570"/>
+          </a:xfrm>
+        </p:spPr>
+        <p:txBody>
+          <a:bodyPr/>
+          <a:lstStyle/>
+          <a:p>
+            <a:r>
+              <a:rPr lang="ru-RU" dirty="0" smtClean="0"/>
+              <a:t>ПЕРЕРЫВ</a:t>
+            </a:r>
+            <a:endParaRPr lang="ru-RU" dirty="0"/>
+          </a:p>
+        </p:txBody>
+      </p:sp>
+    </p:spTree>
+    <p:extLst>
+      <p:ext uri="{BB962C8B-B14F-4D97-AF65-F5344CB8AC3E}">
+        <p14:creationId xmlns:p14="http://schemas.microsoft.com/office/powerpoint/2010/main" val="1383229067"/>
+      </p:ext>
+    </p:extLst>
+  </p:cSld>
+  <p:clrMapOvr>
+    <a:masterClrMapping/>
+  </p:clrMapOvr>
+  <p:timing>
+    <p:tnLst>
+      <p:par>
+        <p:cTn id="1" dur="indefinite" restart="never" nodeType="tmRoot"/>
+      </p:par>
+    </p:tnLst>
+  </p:timing>
+</p:sld>
+</file>
+
+<file path=ppt/slides/slide12.xml><?xml version="1.0" encoding="utf-8"?>
 <p:sld xmlns:a="http://schemas.openxmlformats.org/drawingml/2006/main" xmlns:r="http://schemas.openxmlformats.org/officeDocument/2006/relationships" xmlns:p="http://schemas.openxmlformats.org/presentationml/2006/main">
   <p:cSld>
     <p:spTree>
@@ -15049,7 +15116,7 @@
 </p:sld>
 </file>
 
-<file path=ppt/slides/slide12.xml><?xml version="1.0" encoding="utf-8"?>
+<file path=ppt/slides/slide13.xml><?xml version="1.0" encoding="utf-8"?>
 <p:sld xmlns:a="http://schemas.openxmlformats.org/drawingml/2006/main" xmlns:r="http://schemas.openxmlformats.org/officeDocument/2006/relationships" xmlns:p="http://schemas.openxmlformats.org/presentationml/2006/main">
   <p:cSld>
     <p:spTree>
@@ -15249,7 +15316,7 @@
 </p:sld>
 </file>
 
-<file path=ppt/slides/slide13.xml><?xml version="1.0" encoding="utf-8"?>
+<file path=ppt/slides/slide14.xml><?xml version="1.0" encoding="utf-8"?>
 <p:sld xmlns:a="http://schemas.openxmlformats.org/drawingml/2006/main" xmlns:r="http://schemas.openxmlformats.org/officeDocument/2006/relationships" xmlns:p="http://schemas.openxmlformats.org/presentationml/2006/main">
   <p:cSld>
     <p:spTree>
@@ -16926,7 +16993,90 @@
 </p:sld>
 </file>
 
-<file path=ppt/slides/slide14.xml><?xml version="1.0" encoding="utf-8"?>
+<file path=ppt/slides/slide15.xml><?xml version="1.0" encoding="utf-8"?>
+<p:sld xmlns:a="http://schemas.openxmlformats.org/drawingml/2006/main" xmlns:r="http://schemas.openxmlformats.org/officeDocument/2006/relationships" xmlns:p="http://schemas.openxmlformats.org/presentationml/2006/main">
+  <p:cSld>
+    <p:spTree>
+      <p:nvGrpSpPr>
+        <p:cNvPr id="1" name=""/>
+        <p:cNvGrpSpPr/>
+        <p:nvPr/>
+      </p:nvGrpSpPr>
+      <p:grpSpPr>
+        <a:xfrm>
+          <a:off x="0" y="0"/>
+          <a:ext cx="0" cy="0"/>
+          <a:chOff x="0" y="0"/>
+          <a:chExt cx="0" cy="0"/>
+        </a:xfrm>
+      </p:grpSpPr>
+      <p:sp>
+        <p:nvSpPr>
+          <p:cNvPr id="2" name="Заголовок 1"/>
+          <p:cNvSpPr>
+            <a:spLocks noGrp="1"/>
+          </p:cNvSpPr>
+          <p:nvPr>
+            <p:ph type="title"/>
+          </p:nvPr>
+        </p:nvSpPr>
+        <p:spPr/>
+        <p:txBody>
+          <a:bodyPr/>
+          <a:lstStyle/>
+          <a:p>
+            <a:r>
+              <a:rPr lang="ru-RU" dirty="0" smtClean="0"/>
+              <a:t>ЧТО ТАКОЕ ДОМЕННАЯ МОДЕЛЬ?</a:t>
+            </a:r>
+            <a:endParaRPr lang="ru-RU" dirty="0"/>
+          </a:p>
+        </p:txBody>
+      </p:sp>
+      <p:sp>
+        <p:nvSpPr>
+          <p:cNvPr id="3" name="Объект 2"/>
+          <p:cNvSpPr>
+            <a:spLocks noGrp="1"/>
+          </p:cNvSpPr>
+          <p:nvPr>
+            <p:ph idx="1"/>
+          </p:nvPr>
+        </p:nvSpPr>
+        <p:spPr/>
+        <p:txBody>
+          <a:bodyPr/>
+          <a:lstStyle/>
+          <a:p>
+            <a:r>
+              <a:rPr lang="ru-RU" dirty="0" smtClean="0"/>
+              <a:t>Доменная модель - это модель предметной области приложения</a:t>
+            </a:r>
+            <a:endParaRPr lang="ru-RU" dirty="0"/>
+          </a:p>
+        </p:txBody>
+      </p:sp>
+    </p:spTree>
+    <p:extLst>
+      <p:ext uri="{BB962C8B-B14F-4D97-AF65-F5344CB8AC3E}">
+        <p14:creationId xmlns:p14="http://schemas.microsoft.com/office/powerpoint/2010/main" val="2243111921"/>
+      </p:ext>
+    </p:extLst>
+  </p:cSld>
+  <p:clrMapOvr>
+    <a:masterClrMapping/>
+  </p:clrMapOvr>
+  <p:timing>
+    <p:tnLst>
+      <p:par>
+        <p:cTn id="1" dur="indefinite" restart="never" nodeType="tmRoot"/>
+      </p:par>
+    </p:tnLst>
+  </p:timing>
+</p:sld>
+</file>
+
+<file path=ppt/slides/slide16.xml><?xml version="1.0" encoding="utf-8"?>
 <p:sld xmlns:a="http://schemas.openxmlformats.org/drawingml/2006/main" xmlns:r="http://schemas.openxmlformats.org/officeDocument/2006/relationships" xmlns:p="http://schemas.openxmlformats.org/presentationml/2006/main">
   <p:cSld>
     <p:spTree>
@@ -17326,7 +17476,7 @@
 </p:sld>
 </file>
 
-<file path=ppt/slides/slide15.xml><?xml version="1.0" encoding="utf-8"?>
+<file path=ppt/slides/slide17.xml><?xml version="1.0" encoding="utf-8"?>
 <p:sld xmlns:a="http://schemas.openxmlformats.org/drawingml/2006/main" xmlns:r="http://schemas.openxmlformats.org/officeDocument/2006/relationships" xmlns:p="http://schemas.openxmlformats.org/presentationml/2006/main">
   <p:cSld>
     <p:spTree>
@@ -17788,7 +17938,7 @@
 </p:sld>
 </file>
 
-<file path=ppt/slides/slide16.xml><?xml version="1.0" encoding="utf-8"?>
+<file path=ppt/slides/slide18.xml><?xml version="1.0" encoding="utf-8"?>
 <p:sld xmlns:a="http://schemas.openxmlformats.org/drawingml/2006/main" xmlns:r="http://schemas.openxmlformats.org/officeDocument/2006/relationships" xmlns:p="http://schemas.openxmlformats.org/presentationml/2006/main">
   <p:cSld>
     <p:spTree>
@@ -18996,7 +19146,7 @@
 </p:sld>
 </file>
 
-<file path=ppt/slides/slide17.xml><?xml version="1.0" encoding="utf-8"?>
+<file path=ppt/slides/slide19.xml><?xml version="1.0" encoding="utf-8"?>
 <p:sld xmlns:a="http://schemas.openxmlformats.org/drawingml/2006/main" xmlns:r="http://schemas.openxmlformats.org/officeDocument/2006/relationships" xmlns:p="http://schemas.openxmlformats.org/presentationml/2006/main">
   <p:cSld>
     <p:spTree>
@@ -19661,7 +19811,744 @@
 </p:sld>
 </file>
 
-<file path=ppt/slides/slide18.xml><?xml version="1.0" encoding="utf-8"?>
+<file path=ppt/slides/slide2.xml><?xml version="1.0" encoding="utf-8"?>
+<p:sld xmlns:a="http://schemas.openxmlformats.org/drawingml/2006/main" xmlns:r="http://schemas.openxmlformats.org/officeDocument/2006/relationships" xmlns:p="http://schemas.openxmlformats.org/presentationml/2006/main">
+  <p:cSld>
+    <p:spTree>
+      <p:nvGrpSpPr>
+        <p:cNvPr id="1" name=""/>
+        <p:cNvGrpSpPr/>
+        <p:nvPr/>
+      </p:nvGrpSpPr>
+      <p:grpSpPr>
+        <a:xfrm>
+          <a:off x="0" y="0"/>
+          <a:ext cx="0" cy="0"/>
+          <a:chOff x="0" y="0"/>
+          <a:chExt cx="0" cy="0"/>
+        </a:xfrm>
+      </p:grpSpPr>
+      <p:sp>
+        <p:nvSpPr>
+          <p:cNvPr id="4" name="Прямоугольник 3"/>
+          <p:cNvSpPr/>
+          <p:nvPr/>
+        </p:nvSpPr>
+        <p:spPr>
+          <a:xfrm>
+            <a:off x="2692400" y="2353919"/>
+            <a:ext cx="3736109" cy="674254"/>
+          </a:xfrm>
+          <a:prstGeom prst="rect">
+            <a:avLst/>
+          </a:prstGeom>
+        </p:spPr>
+        <p:style>
+          <a:lnRef idx="2">
+            <a:schemeClr val="accent5">
+              <a:shade val="50000"/>
+            </a:schemeClr>
+          </a:lnRef>
+          <a:fillRef idx="1">
+            <a:schemeClr val="accent5"/>
+          </a:fillRef>
+          <a:effectRef idx="0">
+            <a:schemeClr val="accent5"/>
+          </a:effectRef>
+          <a:fontRef idx="minor">
+            <a:schemeClr val="lt1"/>
+          </a:fontRef>
+        </p:style>
+        <p:txBody>
+          <a:bodyPr rtlCol="0" anchor="ctr"/>
+          <a:lstStyle/>
+          <a:p>
+            <a:pPr algn="ctr"/>
+            <a:r>
+              <a:rPr lang="ru-RU" dirty="0" smtClean="0"/>
+              <a:t>Пользовательский интерфейс</a:t>
+            </a:r>
+            <a:endParaRPr lang="ru-RU" dirty="0"/>
+          </a:p>
+        </p:txBody>
+      </p:sp>
+      <p:sp>
+        <p:nvSpPr>
+          <p:cNvPr id="5" name="Прямоугольник 4"/>
+          <p:cNvSpPr/>
+          <p:nvPr/>
+        </p:nvSpPr>
+        <p:spPr>
+          <a:xfrm>
+            <a:off x="2692400" y="3513999"/>
+            <a:ext cx="3736109" cy="674254"/>
+          </a:xfrm>
+          <a:prstGeom prst="rect">
+            <a:avLst/>
+          </a:prstGeom>
+        </p:spPr>
+        <p:style>
+          <a:lnRef idx="2">
+            <a:schemeClr val="accent5">
+              <a:shade val="50000"/>
+            </a:schemeClr>
+          </a:lnRef>
+          <a:fillRef idx="1">
+            <a:schemeClr val="accent5"/>
+          </a:fillRef>
+          <a:effectRef idx="0">
+            <a:schemeClr val="accent5"/>
+          </a:effectRef>
+          <a:fontRef idx="minor">
+            <a:schemeClr val="lt1"/>
+          </a:fontRef>
+        </p:style>
+        <p:txBody>
+          <a:bodyPr rtlCol="0" anchor="ctr"/>
+          <a:lstStyle/>
+          <a:p>
+            <a:pPr algn="ctr"/>
+            <a:r>
+              <a:rPr lang="ru-RU" dirty="0" smtClean="0"/>
+              <a:t>Бизнес-логика</a:t>
+            </a:r>
+            <a:endParaRPr lang="ru-RU" dirty="0"/>
+          </a:p>
+        </p:txBody>
+      </p:sp>
+      <p:sp>
+        <p:nvSpPr>
+          <p:cNvPr id="6" name="Прямоугольник 5"/>
+          <p:cNvSpPr/>
+          <p:nvPr/>
+        </p:nvSpPr>
+        <p:spPr>
+          <a:xfrm>
+            <a:off x="2692400" y="4671317"/>
+            <a:ext cx="3736109" cy="674254"/>
+          </a:xfrm>
+          <a:prstGeom prst="rect">
+            <a:avLst/>
+          </a:prstGeom>
+        </p:spPr>
+        <p:style>
+          <a:lnRef idx="2">
+            <a:schemeClr val="accent5">
+              <a:shade val="50000"/>
+            </a:schemeClr>
+          </a:lnRef>
+          <a:fillRef idx="1">
+            <a:schemeClr val="accent5"/>
+          </a:fillRef>
+          <a:effectRef idx="0">
+            <a:schemeClr val="accent5"/>
+          </a:effectRef>
+          <a:fontRef idx="minor">
+            <a:schemeClr val="lt1"/>
+          </a:fontRef>
+        </p:style>
+        <p:txBody>
+          <a:bodyPr rtlCol="0" anchor="ctr"/>
+          <a:lstStyle/>
+          <a:p>
+            <a:pPr algn="ctr"/>
+            <a:r>
+              <a:rPr lang="ru-RU" dirty="0" smtClean="0"/>
+              <a:t>Доступ к данным</a:t>
+            </a:r>
+            <a:endParaRPr lang="ru-RU" dirty="0"/>
+          </a:p>
+        </p:txBody>
+      </p:sp>
+      <p:sp>
+        <p:nvSpPr>
+          <p:cNvPr id="10" name="Стрелка вниз 9"/>
+          <p:cNvSpPr/>
+          <p:nvPr/>
+        </p:nvSpPr>
+        <p:spPr>
+          <a:xfrm>
+            <a:off x="4385379" y="3028173"/>
+            <a:ext cx="253723" cy="483064"/>
+          </a:xfrm>
+          <a:prstGeom prst="downArrow">
+            <a:avLst/>
+          </a:prstGeom>
+        </p:spPr>
+        <p:style>
+          <a:lnRef idx="2">
+            <a:schemeClr val="accent1">
+              <a:shade val="50000"/>
+            </a:schemeClr>
+          </a:lnRef>
+          <a:fillRef idx="1">
+            <a:schemeClr val="accent1"/>
+          </a:fillRef>
+          <a:effectRef idx="0">
+            <a:schemeClr val="accent1"/>
+          </a:effectRef>
+          <a:fontRef idx="minor">
+            <a:schemeClr val="lt1"/>
+          </a:fontRef>
+        </p:style>
+        <p:txBody>
+          <a:bodyPr rtlCol="0" anchor="ctr"/>
+          <a:lstStyle/>
+          <a:p>
+            <a:pPr algn="ctr"/>
+            <a:endParaRPr lang="ru-RU"/>
+          </a:p>
+        </p:txBody>
+      </p:sp>
+      <p:sp>
+        <p:nvSpPr>
+          <p:cNvPr id="16" name="Стрелка вниз 15"/>
+          <p:cNvSpPr/>
+          <p:nvPr/>
+        </p:nvSpPr>
+        <p:spPr>
+          <a:xfrm>
+            <a:off x="4376828" y="4201690"/>
+            <a:ext cx="253723" cy="483064"/>
+          </a:xfrm>
+          <a:prstGeom prst="downArrow">
+            <a:avLst/>
+          </a:prstGeom>
+        </p:spPr>
+        <p:style>
+          <a:lnRef idx="2">
+            <a:schemeClr val="accent1">
+              <a:shade val="50000"/>
+            </a:schemeClr>
+          </a:lnRef>
+          <a:fillRef idx="1">
+            <a:schemeClr val="accent1"/>
+          </a:fillRef>
+          <a:effectRef idx="0">
+            <a:schemeClr val="accent1"/>
+          </a:effectRef>
+          <a:fontRef idx="minor">
+            <a:schemeClr val="lt1"/>
+          </a:fontRef>
+        </p:style>
+        <p:txBody>
+          <a:bodyPr rtlCol="0" anchor="ctr"/>
+          <a:lstStyle/>
+          <a:p>
+            <a:pPr algn="ctr"/>
+            <a:endParaRPr lang="ru-RU"/>
+          </a:p>
+        </p:txBody>
+      </p:sp>
+      <p:sp>
+        <p:nvSpPr>
+          <p:cNvPr id="17" name="Прямоугольник 16"/>
+          <p:cNvSpPr/>
+          <p:nvPr/>
+        </p:nvSpPr>
+        <p:spPr>
+          <a:xfrm>
+            <a:off x="2692400" y="2360638"/>
+            <a:ext cx="3736109" cy="674254"/>
+          </a:xfrm>
+          <a:prstGeom prst="rect">
+            <a:avLst/>
+          </a:prstGeom>
+        </p:spPr>
+        <p:style>
+          <a:lnRef idx="2">
+            <a:schemeClr val="accent5">
+              <a:shade val="50000"/>
+            </a:schemeClr>
+          </a:lnRef>
+          <a:fillRef idx="1">
+            <a:schemeClr val="accent5"/>
+          </a:fillRef>
+          <a:effectRef idx="0">
+            <a:schemeClr val="accent5"/>
+          </a:effectRef>
+          <a:fontRef idx="minor">
+            <a:schemeClr val="lt1"/>
+          </a:fontRef>
+        </p:style>
+        <p:txBody>
+          <a:bodyPr rtlCol="0" anchor="ctr"/>
+          <a:lstStyle/>
+          <a:p>
+            <a:pPr algn="ctr"/>
+            <a:r>
+              <a:rPr lang="ru-RU" dirty="0" smtClean="0"/>
+              <a:t>Пользовательский интерфейс</a:t>
+            </a:r>
+            <a:endParaRPr lang="ru-RU" dirty="0"/>
+          </a:p>
+        </p:txBody>
+      </p:sp>
+      <p:grpSp>
+        <p:nvGrpSpPr>
+          <p:cNvPr id="2" name="Группа 1"/>
+          <p:cNvGrpSpPr/>
+          <p:nvPr/>
+        </p:nvGrpSpPr>
+        <p:grpSpPr>
+          <a:xfrm>
+            <a:off x="2683164" y="2364839"/>
+            <a:ext cx="7140134" cy="2980732"/>
+            <a:chOff x="2683164" y="2364839"/>
+            <a:chExt cx="7140134" cy="2980732"/>
+          </a:xfrm>
+        </p:grpSpPr>
+        <p:sp>
+          <p:nvSpPr>
+            <p:cNvPr id="7" name="Правая фигурная скобка 6"/>
+            <p:cNvSpPr/>
+            <p:nvPr/>
+          </p:nvSpPr>
+          <p:spPr>
+            <a:xfrm>
+              <a:off x="6622474" y="2419927"/>
+              <a:ext cx="497840" cy="2925644"/>
+            </a:xfrm>
+            <a:prstGeom prst="rightBrace">
+              <a:avLst/>
+            </a:prstGeom>
+            <a:ln>
+              <a:solidFill>
+                <a:schemeClr val="tx1"/>
+              </a:solidFill>
+            </a:ln>
+          </p:spPr>
+          <p:style>
+            <a:lnRef idx="1">
+              <a:schemeClr val="accent1"/>
+            </a:lnRef>
+            <a:fillRef idx="0">
+              <a:schemeClr val="accent1"/>
+            </a:fillRef>
+            <a:effectRef idx="0">
+              <a:schemeClr val="accent1"/>
+            </a:effectRef>
+            <a:fontRef idx="minor">
+              <a:schemeClr val="tx1"/>
+            </a:fontRef>
+          </p:style>
+          <p:txBody>
+            <a:bodyPr rtlCol="0" anchor="ctr"/>
+            <a:lstStyle/>
+            <a:p>
+              <a:pPr algn="ctr"/>
+              <a:endParaRPr lang="ru-RU"/>
+            </a:p>
+          </p:txBody>
+        </p:sp>
+        <p:sp>
+          <p:nvSpPr>
+            <p:cNvPr id="8" name="TextBox 7"/>
+            <p:cNvSpPr txBox="1"/>
+            <p:nvPr/>
+          </p:nvSpPr>
+          <p:spPr>
+            <a:xfrm>
+              <a:off x="7120314" y="3735797"/>
+              <a:ext cx="2702984" cy="369332"/>
+            </a:xfrm>
+            <a:prstGeom prst="rect">
+              <a:avLst/>
+            </a:prstGeom>
+            <a:noFill/>
+          </p:spPr>
+          <p:txBody>
+            <a:bodyPr wrap="none" rtlCol="0">
+              <a:spAutoFit/>
+            </a:bodyPr>
+            <a:lstStyle/>
+            <a:p>
+              <a:r>
+                <a:rPr lang="ru-RU" dirty="0" smtClean="0"/>
+                <a:t>Проекты </a:t>
+              </a:r>
+              <a:r>
+                <a:rPr lang="en-US" dirty="0" smtClean="0"/>
+                <a:t>Visual Studio</a:t>
+              </a:r>
+              <a:endParaRPr lang="ru-RU" dirty="0"/>
+            </a:p>
+          </p:txBody>
+        </p:sp>
+        <p:sp>
+          <p:nvSpPr>
+            <p:cNvPr id="18" name="Прямоугольник 17"/>
+            <p:cNvSpPr/>
+            <p:nvPr/>
+          </p:nvSpPr>
+          <p:spPr>
+            <a:xfrm>
+              <a:off x="2683164" y="2364839"/>
+              <a:ext cx="3736109" cy="674254"/>
+            </a:xfrm>
+            <a:prstGeom prst="rect">
+              <a:avLst/>
+            </a:prstGeom>
+          </p:spPr>
+          <p:style>
+            <a:lnRef idx="2">
+              <a:schemeClr val="accent5">
+                <a:shade val="50000"/>
+              </a:schemeClr>
+            </a:lnRef>
+            <a:fillRef idx="1">
+              <a:schemeClr val="accent5"/>
+            </a:fillRef>
+            <a:effectRef idx="0">
+              <a:schemeClr val="accent5"/>
+            </a:effectRef>
+            <a:fontRef idx="minor">
+              <a:schemeClr val="lt1"/>
+            </a:fontRef>
+          </p:style>
+          <p:txBody>
+            <a:bodyPr rtlCol="0" anchor="ctr"/>
+            <a:lstStyle/>
+            <a:p>
+              <a:pPr algn="ctr"/>
+              <a:r>
+                <a:rPr lang="ru-RU" dirty="0" smtClean="0"/>
+                <a:t>Проект </a:t>
+              </a:r>
+              <a:r>
+                <a:rPr lang="en-US" dirty="0" smtClean="0"/>
+                <a:t>Web</a:t>
+              </a:r>
+              <a:endParaRPr lang="ru-RU" dirty="0"/>
+            </a:p>
+          </p:txBody>
+        </p:sp>
+        <p:sp>
+          <p:nvSpPr>
+            <p:cNvPr id="19" name="Прямоугольник 18"/>
+            <p:cNvSpPr/>
+            <p:nvPr/>
+          </p:nvSpPr>
+          <p:spPr>
+            <a:xfrm>
+              <a:off x="2692400" y="3513999"/>
+              <a:ext cx="3736109" cy="674254"/>
+            </a:xfrm>
+            <a:prstGeom prst="rect">
+              <a:avLst/>
+            </a:prstGeom>
+          </p:spPr>
+          <p:style>
+            <a:lnRef idx="2">
+              <a:schemeClr val="accent5">
+                <a:shade val="50000"/>
+              </a:schemeClr>
+            </a:lnRef>
+            <a:fillRef idx="1">
+              <a:schemeClr val="accent5"/>
+            </a:fillRef>
+            <a:effectRef idx="0">
+              <a:schemeClr val="accent5"/>
+            </a:effectRef>
+            <a:fontRef idx="minor">
+              <a:schemeClr val="lt1"/>
+            </a:fontRef>
+          </p:style>
+          <p:txBody>
+            <a:bodyPr rtlCol="0" anchor="ctr"/>
+            <a:lstStyle/>
+            <a:p>
+              <a:pPr algn="ctr"/>
+              <a:r>
+                <a:rPr lang="ru-RU" dirty="0" smtClean="0"/>
+                <a:t>Проект </a:t>
+              </a:r>
+              <a:r>
+                <a:rPr lang="en-US" dirty="0" smtClean="0"/>
+                <a:t>BL</a:t>
+              </a:r>
+              <a:endParaRPr lang="ru-RU" dirty="0"/>
+            </a:p>
+          </p:txBody>
+        </p:sp>
+        <p:sp>
+          <p:nvSpPr>
+            <p:cNvPr id="20" name="Прямоугольник 19"/>
+            <p:cNvSpPr/>
+            <p:nvPr/>
+          </p:nvSpPr>
+          <p:spPr>
+            <a:xfrm>
+              <a:off x="2692399" y="4667360"/>
+              <a:ext cx="3736109" cy="674254"/>
+            </a:xfrm>
+            <a:prstGeom prst="rect">
+              <a:avLst/>
+            </a:prstGeom>
+          </p:spPr>
+          <p:style>
+            <a:lnRef idx="2">
+              <a:schemeClr val="accent5">
+                <a:shade val="50000"/>
+              </a:schemeClr>
+            </a:lnRef>
+            <a:fillRef idx="1">
+              <a:schemeClr val="accent5"/>
+            </a:fillRef>
+            <a:effectRef idx="0">
+              <a:schemeClr val="accent5"/>
+            </a:effectRef>
+            <a:fontRef idx="minor">
+              <a:schemeClr val="lt1"/>
+            </a:fontRef>
+          </p:style>
+          <p:txBody>
+            <a:bodyPr rtlCol="0" anchor="ctr"/>
+            <a:lstStyle/>
+            <a:p>
+              <a:pPr algn="ctr"/>
+              <a:r>
+                <a:rPr lang="ru-RU" dirty="0" smtClean="0"/>
+                <a:t>Проект</a:t>
+              </a:r>
+              <a:r>
+                <a:rPr lang="en-US" dirty="0" smtClean="0"/>
+                <a:t> DAL</a:t>
+              </a:r>
+              <a:endParaRPr lang="ru-RU" dirty="0"/>
+            </a:p>
+          </p:txBody>
+        </p:sp>
+      </p:grpSp>
+      <p:sp>
+        <p:nvSpPr>
+          <p:cNvPr id="14" name="TextBox 13"/>
+          <p:cNvSpPr txBox="1"/>
+          <p:nvPr/>
+        </p:nvSpPr>
+        <p:spPr>
+          <a:xfrm>
+            <a:off x="7120314" y="4443222"/>
+            <a:ext cx="3257623" cy="369332"/>
+          </a:xfrm>
+          <a:prstGeom prst="rect">
+            <a:avLst/>
+          </a:prstGeom>
+          <a:noFill/>
+        </p:spPr>
+        <p:txBody>
+          <a:bodyPr wrap="none" rtlCol="0">
+            <a:spAutoFit/>
+          </a:bodyPr>
+          <a:lstStyle/>
+          <a:p>
+            <a:r>
+              <a:rPr lang="ru-RU" dirty="0" smtClean="0"/>
+              <a:t>Но проекты не резиновые!</a:t>
+            </a:r>
+            <a:endParaRPr lang="ru-RU" dirty="0"/>
+          </a:p>
+        </p:txBody>
+      </p:sp>
+    </p:spTree>
+    <p:extLst>
+      <p:ext uri="{BB962C8B-B14F-4D97-AF65-F5344CB8AC3E}">
+        <p14:creationId xmlns:p14="http://schemas.microsoft.com/office/powerpoint/2010/main" val="3395579142"/>
+      </p:ext>
+    </p:extLst>
+  </p:cSld>
+  <p:clrMapOvr>
+    <a:masterClrMapping/>
+  </p:clrMapOvr>
+  <p:timing>
+    <p:tnLst>
+      <p:par>
+        <p:cTn id="1" dur="indefinite" restart="never" nodeType="tmRoot">
+          <p:childTnLst>
+            <p:seq concurrent="1" nextAc="seek">
+              <p:cTn id="2" dur="indefinite" nodeType="mainSeq">
+                <p:childTnLst>
+                  <p:par>
+                    <p:cTn id="3" fill="hold">
+                      <p:stCondLst>
+                        <p:cond delay="indefinite"/>
+                      </p:stCondLst>
+                      <p:childTnLst>
+                        <p:par>
+                          <p:cTn id="4" fill="hold">
+                            <p:stCondLst>
+                              <p:cond delay="0"/>
+                            </p:stCondLst>
+                            <p:childTnLst>
+                              <p:par>
+                                <p:cTn id="5" presetID="10" presetClass="entr" presetSubtype="0" fill="hold" nodeType="clickEffect">
+                                  <p:stCondLst>
+                                    <p:cond delay="0"/>
+                                  </p:stCondLst>
+                                  <p:childTnLst>
+                                    <p:set>
+                                      <p:cBhvr>
+                                        <p:cTn id="6" dur="1" fill="hold">
+                                          <p:stCondLst>
+                                            <p:cond delay="0"/>
+                                          </p:stCondLst>
+                                        </p:cTn>
+                                        <p:tgtEl>
+                                          <p:spTgt spid="2"/>
+                                        </p:tgtEl>
+                                        <p:attrNameLst>
+                                          <p:attrName>style.visibility</p:attrName>
+                                        </p:attrNameLst>
+                                      </p:cBhvr>
+                                      <p:to>
+                                        <p:strVal val="visible"/>
+                                      </p:to>
+                                    </p:set>
+                                    <p:animEffect transition="in" filter="fade">
+                                      <p:cBhvr>
+                                        <p:cTn id="7" dur="500"/>
+                                        <p:tgtEl>
+                                          <p:spTgt spid="2"/>
+                                        </p:tgtEl>
+                                      </p:cBhvr>
+                                    </p:animEffect>
+                                  </p:childTnLst>
+                                </p:cTn>
+                              </p:par>
+                            </p:childTnLst>
+                          </p:cTn>
+                        </p:par>
+                      </p:childTnLst>
+                    </p:cTn>
+                  </p:par>
+                  <p:par>
+                    <p:cTn id="8" fill="hold">
+                      <p:stCondLst>
+                        <p:cond delay="indefinite"/>
+                      </p:stCondLst>
+                      <p:childTnLst>
+                        <p:par>
+                          <p:cTn id="9" fill="hold">
+                            <p:stCondLst>
+                              <p:cond delay="0"/>
+                            </p:stCondLst>
+                            <p:childTnLst>
+                              <p:par>
+                                <p:cTn id="10" presetID="53" presetClass="entr" presetSubtype="16" fill="hold" grpId="0" nodeType="clickEffect">
+                                  <p:stCondLst>
+                                    <p:cond delay="0"/>
+                                  </p:stCondLst>
+                                  <p:childTnLst>
+                                    <p:set>
+                                      <p:cBhvr>
+                                        <p:cTn id="11" dur="1" fill="hold">
+                                          <p:stCondLst>
+                                            <p:cond delay="0"/>
+                                          </p:stCondLst>
+                                        </p:cTn>
+                                        <p:tgtEl>
+                                          <p:spTgt spid="14"/>
+                                        </p:tgtEl>
+                                        <p:attrNameLst>
+                                          <p:attrName>style.visibility</p:attrName>
+                                        </p:attrNameLst>
+                                      </p:cBhvr>
+                                      <p:to>
+                                        <p:strVal val="visible"/>
+                                      </p:to>
+                                    </p:set>
+                                    <p:anim calcmode="lin" valueType="num">
+                                      <p:cBhvr>
+                                        <p:cTn id="12" dur="500" fill="hold"/>
+                                        <p:tgtEl>
+                                          <p:spTgt spid="14"/>
+                                        </p:tgtEl>
+                                        <p:attrNameLst>
+                                          <p:attrName>ppt_w</p:attrName>
+                                        </p:attrNameLst>
+                                      </p:cBhvr>
+                                      <p:tavLst>
+                                        <p:tav tm="0">
+                                          <p:val>
+                                            <p:fltVal val="0"/>
+                                          </p:val>
+                                        </p:tav>
+                                        <p:tav tm="100000">
+                                          <p:val>
+                                            <p:strVal val="#ppt_w"/>
+                                          </p:val>
+                                        </p:tav>
+                                      </p:tavLst>
+                                    </p:anim>
+                                    <p:anim calcmode="lin" valueType="num">
+                                      <p:cBhvr>
+                                        <p:cTn id="13" dur="500" fill="hold"/>
+                                        <p:tgtEl>
+                                          <p:spTgt spid="14"/>
+                                        </p:tgtEl>
+                                        <p:attrNameLst>
+                                          <p:attrName>ppt_h</p:attrName>
+                                        </p:attrNameLst>
+                                      </p:cBhvr>
+                                      <p:tavLst>
+                                        <p:tav tm="0">
+                                          <p:val>
+                                            <p:fltVal val="0"/>
+                                          </p:val>
+                                        </p:tav>
+                                        <p:tav tm="100000">
+                                          <p:val>
+                                            <p:strVal val="#ppt_h"/>
+                                          </p:val>
+                                        </p:tav>
+                                      </p:tavLst>
+                                    </p:anim>
+                                    <p:animEffect transition="in" filter="fade">
+                                      <p:cBhvr>
+                                        <p:cTn id="14" dur="500"/>
+                                        <p:tgtEl>
+                                          <p:spTgt spid="14"/>
+                                        </p:tgtEl>
+                                      </p:cBhvr>
+                                    </p:animEffect>
+                                  </p:childTnLst>
+                                </p:cTn>
+                              </p:par>
+                            </p:childTnLst>
+                          </p:cTn>
+                        </p:par>
+                      </p:childTnLst>
+                    </p:cTn>
+                  </p:par>
+                </p:childTnLst>
+              </p:cTn>
+              <p:prevCondLst>
+                <p:cond evt="onPrev" delay="0">
+                  <p:tgtEl>
+                    <p:sldTgt/>
+                  </p:tgtEl>
+                </p:cond>
+              </p:prevCondLst>
+              <p:nextCondLst>
+                <p:cond evt="onNext" delay="0">
+                  <p:tgtEl>
+                    <p:sldTgt/>
+                  </p:tgtEl>
+                </p:cond>
+              </p:nextCondLst>
+            </p:seq>
+          </p:childTnLst>
+        </p:cTn>
+      </p:par>
+    </p:tnLst>
+    <p:bldLst>
+      <p:bldP spid="14" grpId="0"/>
+    </p:bldLst>
+  </p:timing>
+</p:sld>
+</file>
+
+<file path=ppt/slides/slide20.xml><?xml version="1.0" encoding="utf-8"?>
 <p:sld xmlns:a="http://schemas.openxmlformats.org/drawingml/2006/main" xmlns:r="http://schemas.openxmlformats.org/officeDocument/2006/relationships" xmlns:p="http://schemas.openxmlformats.org/presentationml/2006/main">
   <p:cSld>
     <p:spTree>
@@ -21076,7 +21963,7 @@
 </p:sld>
 </file>
 
-<file path=ppt/slides/slide19.xml><?xml version="1.0" encoding="utf-8"?>
+<file path=ppt/slides/slide21.xml><?xml version="1.0" encoding="utf-8"?>
 <p:sld xmlns:a="http://schemas.openxmlformats.org/drawingml/2006/main" xmlns:r="http://schemas.openxmlformats.org/officeDocument/2006/relationships" xmlns:p="http://schemas.openxmlformats.org/presentationml/2006/main">
   <p:cSld>
     <p:spTree>
@@ -21404,744 +22291,7 @@
 </p:sld>
 </file>
 
-<file path=ppt/slides/slide2.xml><?xml version="1.0" encoding="utf-8"?>
-<p:sld xmlns:a="http://schemas.openxmlformats.org/drawingml/2006/main" xmlns:r="http://schemas.openxmlformats.org/officeDocument/2006/relationships" xmlns:p="http://schemas.openxmlformats.org/presentationml/2006/main">
-  <p:cSld>
-    <p:spTree>
-      <p:nvGrpSpPr>
-        <p:cNvPr id="1" name=""/>
-        <p:cNvGrpSpPr/>
-        <p:nvPr/>
-      </p:nvGrpSpPr>
-      <p:grpSpPr>
-        <a:xfrm>
-          <a:off x="0" y="0"/>
-          <a:ext cx="0" cy="0"/>
-          <a:chOff x="0" y="0"/>
-          <a:chExt cx="0" cy="0"/>
-        </a:xfrm>
-      </p:grpSpPr>
-      <p:sp>
-        <p:nvSpPr>
-          <p:cNvPr id="4" name="Прямоугольник 3"/>
-          <p:cNvSpPr/>
-          <p:nvPr/>
-        </p:nvSpPr>
-        <p:spPr>
-          <a:xfrm>
-            <a:off x="2692400" y="2353919"/>
-            <a:ext cx="3736109" cy="674254"/>
-          </a:xfrm>
-          <a:prstGeom prst="rect">
-            <a:avLst/>
-          </a:prstGeom>
-        </p:spPr>
-        <p:style>
-          <a:lnRef idx="2">
-            <a:schemeClr val="accent5">
-              <a:shade val="50000"/>
-            </a:schemeClr>
-          </a:lnRef>
-          <a:fillRef idx="1">
-            <a:schemeClr val="accent5"/>
-          </a:fillRef>
-          <a:effectRef idx="0">
-            <a:schemeClr val="accent5"/>
-          </a:effectRef>
-          <a:fontRef idx="minor">
-            <a:schemeClr val="lt1"/>
-          </a:fontRef>
-        </p:style>
-        <p:txBody>
-          <a:bodyPr rtlCol="0" anchor="ctr"/>
-          <a:lstStyle/>
-          <a:p>
-            <a:pPr algn="ctr"/>
-            <a:r>
-              <a:rPr lang="ru-RU" dirty="0" smtClean="0"/>
-              <a:t>Пользовательский интерфейс</a:t>
-            </a:r>
-            <a:endParaRPr lang="ru-RU" dirty="0"/>
-          </a:p>
-        </p:txBody>
-      </p:sp>
-      <p:sp>
-        <p:nvSpPr>
-          <p:cNvPr id="5" name="Прямоугольник 4"/>
-          <p:cNvSpPr/>
-          <p:nvPr/>
-        </p:nvSpPr>
-        <p:spPr>
-          <a:xfrm>
-            <a:off x="2692400" y="3513999"/>
-            <a:ext cx="3736109" cy="674254"/>
-          </a:xfrm>
-          <a:prstGeom prst="rect">
-            <a:avLst/>
-          </a:prstGeom>
-        </p:spPr>
-        <p:style>
-          <a:lnRef idx="2">
-            <a:schemeClr val="accent5">
-              <a:shade val="50000"/>
-            </a:schemeClr>
-          </a:lnRef>
-          <a:fillRef idx="1">
-            <a:schemeClr val="accent5"/>
-          </a:fillRef>
-          <a:effectRef idx="0">
-            <a:schemeClr val="accent5"/>
-          </a:effectRef>
-          <a:fontRef idx="minor">
-            <a:schemeClr val="lt1"/>
-          </a:fontRef>
-        </p:style>
-        <p:txBody>
-          <a:bodyPr rtlCol="0" anchor="ctr"/>
-          <a:lstStyle/>
-          <a:p>
-            <a:pPr algn="ctr"/>
-            <a:r>
-              <a:rPr lang="ru-RU" dirty="0" smtClean="0"/>
-              <a:t>Бизнес-логика</a:t>
-            </a:r>
-            <a:endParaRPr lang="ru-RU" dirty="0"/>
-          </a:p>
-        </p:txBody>
-      </p:sp>
-      <p:sp>
-        <p:nvSpPr>
-          <p:cNvPr id="6" name="Прямоугольник 5"/>
-          <p:cNvSpPr/>
-          <p:nvPr/>
-        </p:nvSpPr>
-        <p:spPr>
-          <a:xfrm>
-            <a:off x="2692400" y="4671317"/>
-            <a:ext cx="3736109" cy="674254"/>
-          </a:xfrm>
-          <a:prstGeom prst="rect">
-            <a:avLst/>
-          </a:prstGeom>
-        </p:spPr>
-        <p:style>
-          <a:lnRef idx="2">
-            <a:schemeClr val="accent5">
-              <a:shade val="50000"/>
-            </a:schemeClr>
-          </a:lnRef>
-          <a:fillRef idx="1">
-            <a:schemeClr val="accent5"/>
-          </a:fillRef>
-          <a:effectRef idx="0">
-            <a:schemeClr val="accent5"/>
-          </a:effectRef>
-          <a:fontRef idx="minor">
-            <a:schemeClr val="lt1"/>
-          </a:fontRef>
-        </p:style>
-        <p:txBody>
-          <a:bodyPr rtlCol="0" anchor="ctr"/>
-          <a:lstStyle/>
-          <a:p>
-            <a:pPr algn="ctr"/>
-            <a:r>
-              <a:rPr lang="ru-RU" dirty="0" smtClean="0"/>
-              <a:t>Доступ к данным</a:t>
-            </a:r>
-            <a:endParaRPr lang="ru-RU" dirty="0"/>
-          </a:p>
-        </p:txBody>
-      </p:sp>
-      <p:sp>
-        <p:nvSpPr>
-          <p:cNvPr id="10" name="Стрелка вниз 9"/>
-          <p:cNvSpPr/>
-          <p:nvPr/>
-        </p:nvSpPr>
-        <p:spPr>
-          <a:xfrm>
-            <a:off x="4385379" y="3028173"/>
-            <a:ext cx="253723" cy="483064"/>
-          </a:xfrm>
-          <a:prstGeom prst="downArrow">
-            <a:avLst/>
-          </a:prstGeom>
-        </p:spPr>
-        <p:style>
-          <a:lnRef idx="2">
-            <a:schemeClr val="accent1">
-              <a:shade val="50000"/>
-            </a:schemeClr>
-          </a:lnRef>
-          <a:fillRef idx="1">
-            <a:schemeClr val="accent1"/>
-          </a:fillRef>
-          <a:effectRef idx="0">
-            <a:schemeClr val="accent1"/>
-          </a:effectRef>
-          <a:fontRef idx="minor">
-            <a:schemeClr val="lt1"/>
-          </a:fontRef>
-        </p:style>
-        <p:txBody>
-          <a:bodyPr rtlCol="0" anchor="ctr"/>
-          <a:lstStyle/>
-          <a:p>
-            <a:pPr algn="ctr"/>
-            <a:endParaRPr lang="ru-RU"/>
-          </a:p>
-        </p:txBody>
-      </p:sp>
-      <p:sp>
-        <p:nvSpPr>
-          <p:cNvPr id="16" name="Стрелка вниз 15"/>
-          <p:cNvSpPr/>
-          <p:nvPr/>
-        </p:nvSpPr>
-        <p:spPr>
-          <a:xfrm>
-            <a:off x="4376828" y="4201690"/>
-            <a:ext cx="253723" cy="483064"/>
-          </a:xfrm>
-          <a:prstGeom prst="downArrow">
-            <a:avLst/>
-          </a:prstGeom>
-        </p:spPr>
-        <p:style>
-          <a:lnRef idx="2">
-            <a:schemeClr val="accent1">
-              <a:shade val="50000"/>
-            </a:schemeClr>
-          </a:lnRef>
-          <a:fillRef idx="1">
-            <a:schemeClr val="accent1"/>
-          </a:fillRef>
-          <a:effectRef idx="0">
-            <a:schemeClr val="accent1"/>
-          </a:effectRef>
-          <a:fontRef idx="minor">
-            <a:schemeClr val="lt1"/>
-          </a:fontRef>
-        </p:style>
-        <p:txBody>
-          <a:bodyPr rtlCol="0" anchor="ctr"/>
-          <a:lstStyle/>
-          <a:p>
-            <a:pPr algn="ctr"/>
-            <a:endParaRPr lang="ru-RU"/>
-          </a:p>
-        </p:txBody>
-      </p:sp>
-      <p:sp>
-        <p:nvSpPr>
-          <p:cNvPr id="17" name="Прямоугольник 16"/>
-          <p:cNvSpPr/>
-          <p:nvPr/>
-        </p:nvSpPr>
-        <p:spPr>
-          <a:xfrm>
-            <a:off x="2692400" y="2360638"/>
-            <a:ext cx="3736109" cy="674254"/>
-          </a:xfrm>
-          <a:prstGeom prst="rect">
-            <a:avLst/>
-          </a:prstGeom>
-        </p:spPr>
-        <p:style>
-          <a:lnRef idx="2">
-            <a:schemeClr val="accent5">
-              <a:shade val="50000"/>
-            </a:schemeClr>
-          </a:lnRef>
-          <a:fillRef idx="1">
-            <a:schemeClr val="accent5"/>
-          </a:fillRef>
-          <a:effectRef idx="0">
-            <a:schemeClr val="accent5"/>
-          </a:effectRef>
-          <a:fontRef idx="minor">
-            <a:schemeClr val="lt1"/>
-          </a:fontRef>
-        </p:style>
-        <p:txBody>
-          <a:bodyPr rtlCol="0" anchor="ctr"/>
-          <a:lstStyle/>
-          <a:p>
-            <a:pPr algn="ctr"/>
-            <a:r>
-              <a:rPr lang="ru-RU" dirty="0" smtClean="0"/>
-              <a:t>Пользовательский интерфейс</a:t>
-            </a:r>
-            <a:endParaRPr lang="ru-RU" dirty="0"/>
-          </a:p>
-        </p:txBody>
-      </p:sp>
-      <p:grpSp>
-        <p:nvGrpSpPr>
-          <p:cNvPr id="2" name="Группа 1"/>
-          <p:cNvGrpSpPr/>
-          <p:nvPr/>
-        </p:nvGrpSpPr>
-        <p:grpSpPr>
-          <a:xfrm>
-            <a:off x="2683164" y="2364839"/>
-            <a:ext cx="7140134" cy="2980732"/>
-            <a:chOff x="2683164" y="2364839"/>
-            <a:chExt cx="7140134" cy="2980732"/>
-          </a:xfrm>
-        </p:grpSpPr>
-        <p:sp>
-          <p:nvSpPr>
-            <p:cNvPr id="7" name="Правая фигурная скобка 6"/>
-            <p:cNvSpPr/>
-            <p:nvPr/>
-          </p:nvSpPr>
-          <p:spPr>
-            <a:xfrm>
-              <a:off x="6622474" y="2419927"/>
-              <a:ext cx="497840" cy="2925644"/>
-            </a:xfrm>
-            <a:prstGeom prst="rightBrace">
-              <a:avLst/>
-            </a:prstGeom>
-            <a:ln>
-              <a:solidFill>
-                <a:schemeClr val="tx1"/>
-              </a:solidFill>
-            </a:ln>
-          </p:spPr>
-          <p:style>
-            <a:lnRef idx="1">
-              <a:schemeClr val="accent1"/>
-            </a:lnRef>
-            <a:fillRef idx="0">
-              <a:schemeClr val="accent1"/>
-            </a:fillRef>
-            <a:effectRef idx="0">
-              <a:schemeClr val="accent1"/>
-            </a:effectRef>
-            <a:fontRef idx="minor">
-              <a:schemeClr val="tx1"/>
-            </a:fontRef>
-          </p:style>
-          <p:txBody>
-            <a:bodyPr rtlCol="0" anchor="ctr"/>
-            <a:lstStyle/>
-            <a:p>
-              <a:pPr algn="ctr"/>
-              <a:endParaRPr lang="ru-RU"/>
-            </a:p>
-          </p:txBody>
-        </p:sp>
-        <p:sp>
-          <p:nvSpPr>
-            <p:cNvPr id="8" name="TextBox 7"/>
-            <p:cNvSpPr txBox="1"/>
-            <p:nvPr/>
-          </p:nvSpPr>
-          <p:spPr>
-            <a:xfrm>
-              <a:off x="7120314" y="3735797"/>
-              <a:ext cx="2702984" cy="369332"/>
-            </a:xfrm>
-            <a:prstGeom prst="rect">
-              <a:avLst/>
-            </a:prstGeom>
-            <a:noFill/>
-          </p:spPr>
-          <p:txBody>
-            <a:bodyPr wrap="none" rtlCol="0">
-              <a:spAutoFit/>
-            </a:bodyPr>
-            <a:lstStyle/>
-            <a:p>
-              <a:r>
-                <a:rPr lang="ru-RU" dirty="0" smtClean="0"/>
-                <a:t>Проекты </a:t>
-              </a:r>
-              <a:r>
-                <a:rPr lang="en-US" dirty="0" smtClean="0"/>
-                <a:t>Visual Studio</a:t>
-              </a:r>
-              <a:endParaRPr lang="ru-RU" dirty="0"/>
-            </a:p>
-          </p:txBody>
-        </p:sp>
-        <p:sp>
-          <p:nvSpPr>
-            <p:cNvPr id="18" name="Прямоугольник 17"/>
-            <p:cNvSpPr/>
-            <p:nvPr/>
-          </p:nvSpPr>
-          <p:spPr>
-            <a:xfrm>
-              <a:off x="2683164" y="2364839"/>
-              <a:ext cx="3736109" cy="674254"/>
-            </a:xfrm>
-            <a:prstGeom prst="rect">
-              <a:avLst/>
-            </a:prstGeom>
-          </p:spPr>
-          <p:style>
-            <a:lnRef idx="2">
-              <a:schemeClr val="accent5">
-                <a:shade val="50000"/>
-              </a:schemeClr>
-            </a:lnRef>
-            <a:fillRef idx="1">
-              <a:schemeClr val="accent5"/>
-            </a:fillRef>
-            <a:effectRef idx="0">
-              <a:schemeClr val="accent5"/>
-            </a:effectRef>
-            <a:fontRef idx="minor">
-              <a:schemeClr val="lt1"/>
-            </a:fontRef>
-          </p:style>
-          <p:txBody>
-            <a:bodyPr rtlCol="0" anchor="ctr"/>
-            <a:lstStyle/>
-            <a:p>
-              <a:pPr algn="ctr"/>
-              <a:r>
-                <a:rPr lang="ru-RU" dirty="0" smtClean="0"/>
-                <a:t>Проект </a:t>
-              </a:r>
-              <a:r>
-                <a:rPr lang="en-US" dirty="0" smtClean="0"/>
-                <a:t>Web</a:t>
-              </a:r>
-              <a:endParaRPr lang="ru-RU" dirty="0"/>
-            </a:p>
-          </p:txBody>
-        </p:sp>
-        <p:sp>
-          <p:nvSpPr>
-            <p:cNvPr id="19" name="Прямоугольник 18"/>
-            <p:cNvSpPr/>
-            <p:nvPr/>
-          </p:nvSpPr>
-          <p:spPr>
-            <a:xfrm>
-              <a:off x="2692400" y="3513999"/>
-              <a:ext cx="3736109" cy="674254"/>
-            </a:xfrm>
-            <a:prstGeom prst="rect">
-              <a:avLst/>
-            </a:prstGeom>
-          </p:spPr>
-          <p:style>
-            <a:lnRef idx="2">
-              <a:schemeClr val="accent5">
-                <a:shade val="50000"/>
-              </a:schemeClr>
-            </a:lnRef>
-            <a:fillRef idx="1">
-              <a:schemeClr val="accent5"/>
-            </a:fillRef>
-            <a:effectRef idx="0">
-              <a:schemeClr val="accent5"/>
-            </a:effectRef>
-            <a:fontRef idx="minor">
-              <a:schemeClr val="lt1"/>
-            </a:fontRef>
-          </p:style>
-          <p:txBody>
-            <a:bodyPr rtlCol="0" anchor="ctr"/>
-            <a:lstStyle/>
-            <a:p>
-              <a:pPr algn="ctr"/>
-              <a:r>
-                <a:rPr lang="ru-RU" dirty="0" smtClean="0"/>
-                <a:t>Проект </a:t>
-              </a:r>
-              <a:r>
-                <a:rPr lang="en-US" dirty="0" smtClean="0"/>
-                <a:t>BL</a:t>
-              </a:r>
-              <a:endParaRPr lang="ru-RU" dirty="0"/>
-            </a:p>
-          </p:txBody>
-        </p:sp>
-        <p:sp>
-          <p:nvSpPr>
-            <p:cNvPr id="20" name="Прямоугольник 19"/>
-            <p:cNvSpPr/>
-            <p:nvPr/>
-          </p:nvSpPr>
-          <p:spPr>
-            <a:xfrm>
-              <a:off x="2692399" y="4667360"/>
-              <a:ext cx="3736109" cy="674254"/>
-            </a:xfrm>
-            <a:prstGeom prst="rect">
-              <a:avLst/>
-            </a:prstGeom>
-          </p:spPr>
-          <p:style>
-            <a:lnRef idx="2">
-              <a:schemeClr val="accent5">
-                <a:shade val="50000"/>
-              </a:schemeClr>
-            </a:lnRef>
-            <a:fillRef idx="1">
-              <a:schemeClr val="accent5"/>
-            </a:fillRef>
-            <a:effectRef idx="0">
-              <a:schemeClr val="accent5"/>
-            </a:effectRef>
-            <a:fontRef idx="minor">
-              <a:schemeClr val="lt1"/>
-            </a:fontRef>
-          </p:style>
-          <p:txBody>
-            <a:bodyPr rtlCol="0" anchor="ctr"/>
-            <a:lstStyle/>
-            <a:p>
-              <a:pPr algn="ctr"/>
-              <a:r>
-                <a:rPr lang="ru-RU" dirty="0" smtClean="0"/>
-                <a:t>Проект</a:t>
-              </a:r>
-              <a:r>
-                <a:rPr lang="en-US" dirty="0" smtClean="0"/>
-                <a:t> DAL</a:t>
-              </a:r>
-              <a:endParaRPr lang="ru-RU" dirty="0"/>
-            </a:p>
-          </p:txBody>
-        </p:sp>
-      </p:grpSp>
-      <p:sp>
-        <p:nvSpPr>
-          <p:cNvPr id="14" name="TextBox 13"/>
-          <p:cNvSpPr txBox="1"/>
-          <p:nvPr/>
-        </p:nvSpPr>
-        <p:spPr>
-          <a:xfrm>
-            <a:off x="7120314" y="4443222"/>
-            <a:ext cx="3257623" cy="369332"/>
-          </a:xfrm>
-          <a:prstGeom prst="rect">
-            <a:avLst/>
-          </a:prstGeom>
-          <a:noFill/>
-        </p:spPr>
-        <p:txBody>
-          <a:bodyPr wrap="none" rtlCol="0">
-            <a:spAutoFit/>
-          </a:bodyPr>
-          <a:lstStyle/>
-          <a:p>
-            <a:r>
-              <a:rPr lang="ru-RU" dirty="0" smtClean="0"/>
-              <a:t>Но проекты не резиновые!</a:t>
-            </a:r>
-            <a:endParaRPr lang="ru-RU" dirty="0"/>
-          </a:p>
-        </p:txBody>
-      </p:sp>
-    </p:spTree>
-    <p:extLst>
-      <p:ext uri="{BB962C8B-B14F-4D97-AF65-F5344CB8AC3E}">
-        <p14:creationId xmlns:p14="http://schemas.microsoft.com/office/powerpoint/2010/main" val="3395579142"/>
-      </p:ext>
-    </p:extLst>
-  </p:cSld>
-  <p:clrMapOvr>
-    <a:masterClrMapping/>
-  </p:clrMapOvr>
-  <p:timing>
-    <p:tnLst>
-      <p:par>
-        <p:cTn id="1" dur="indefinite" restart="never" nodeType="tmRoot">
-          <p:childTnLst>
-            <p:seq concurrent="1" nextAc="seek">
-              <p:cTn id="2" dur="indefinite" nodeType="mainSeq">
-                <p:childTnLst>
-                  <p:par>
-                    <p:cTn id="3" fill="hold">
-                      <p:stCondLst>
-                        <p:cond delay="indefinite"/>
-                      </p:stCondLst>
-                      <p:childTnLst>
-                        <p:par>
-                          <p:cTn id="4" fill="hold">
-                            <p:stCondLst>
-                              <p:cond delay="0"/>
-                            </p:stCondLst>
-                            <p:childTnLst>
-                              <p:par>
-                                <p:cTn id="5" presetID="10" presetClass="entr" presetSubtype="0" fill="hold" nodeType="clickEffect">
-                                  <p:stCondLst>
-                                    <p:cond delay="0"/>
-                                  </p:stCondLst>
-                                  <p:childTnLst>
-                                    <p:set>
-                                      <p:cBhvr>
-                                        <p:cTn id="6" dur="1" fill="hold">
-                                          <p:stCondLst>
-                                            <p:cond delay="0"/>
-                                          </p:stCondLst>
-                                        </p:cTn>
-                                        <p:tgtEl>
-                                          <p:spTgt spid="2"/>
-                                        </p:tgtEl>
-                                        <p:attrNameLst>
-                                          <p:attrName>style.visibility</p:attrName>
-                                        </p:attrNameLst>
-                                      </p:cBhvr>
-                                      <p:to>
-                                        <p:strVal val="visible"/>
-                                      </p:to>
-                                    </p:set>
-                                    <p:animEffect transition="in" filter="fade">
-                                      <p:cBhvr>
-                                        <p:cTn id="7" dur="500"/>
-                                        <p:tgtEl>
-                                          <p:spTgt spid="2"/>
-                                        </p:tgtEl>
-                                      </p:cBhvr>
-                                    </p:animEffect>
-                                  </p:childTnLst>
-                                </p:cTn>
-                              </p:par>
-                            </p:childTnLst>
-                          </p:cTn>
-                        </p:par>
-                      </p:childTnLst>
-                    </p:cTn>
-                  </p:par>
-                  <p:par>
-                    <p:cTn id="8" fill="hold">
-                      <p:stCondLst>
-                        <p:cond delay="indefinite"/>
-                      </p:stCondLst>
-                      <p:childTnLst>
-                        <p:par>
-                          <p:cTn id="9" fill="hold">
-                            <p:stCondLst>
-                              <p:cond delay="0"/>
-                            </p:stCondLst>
-                            <p:childTnLst>
-                              <p:par>
-                                <p:cTn id="10" presetID="53" presetClass="entr" presetSubtype="16" fill="hold" grpId="0" nodeType="clickEffect">
-                                  <p:stCondLst>
-                                    <p:cond delay="0"/>
-                                  </p:stCondLst>
-                                  <p:childTnLst>
-                                    <p:set>
-                                      <p:cBhvr>
-                                        <p:cTn id="11" dur="1" fill="hold">
-                                          <p:stCondLst>
-                                            <p:cond delay="0"/>
-                                          </p:stCondLst>
-                                        </p:cTn>
-                                        <p:tgtEl>
-                                          <p:spTgt spid="14"/>
-                                        </p:tgtEl>
-                                        <p:attrNameLst>
-                                          <p:attrName>style.visibility</p:attrName>
-                                        </p:attrNameLst>
-                                      </p:cBhvr>
-                                      <p:to>
-                                        <p:strVal val="visible"/>
-                                      </p:to>
-                                    </p:set>
-                                    <p:anim calcmode="lin" valueType="num">
-                                      <p:cBhvr>
-                                        <p:cTn id="12" dur="500" fill="hold"/>
-                                        <p:tgtEl>
-                                          <p:spTgt spid="14"/>
-                                        </p:tgtEl>
-                                        <p:attrNameLst>
-                                          <p:attrName>ppt_w</p:attrName>
-                                        </p:attrNameLst>
-                                      </p:cBhvr>
-                                      <p:tavLst>
-                                        <p:tav tm="0">
-                                          <p:val>
-                                            <p:fltVal val="0"/>
-                                          </p:val>
-                                        </p:tav>
-                                        <p:tav tm="100000">
-                                          <p:val>
-                                            <p:strVal val="#ppt_w"/>
-                                          </p:val>
-                                        </p:tav>
-                                      </p:tavLst>
-                                    </p:anim>
-                                    <p:anim calcmode="lin" valueType="num">
-                                      <p:cBhvr>
-                                        <p:cTn id="13" dur="500" fill="hold"/>
-                                        <p:tgtEl>
-                                          <p:spTgt spid="14"/>
-                                        </p:tgtEl>
-                                        <p:attrNameLst>
-                                          <p:attrName>ppt_h</p:attrName>
-                                        </p:attrNameLst>
-                                      </p:cBhvr>
-                                      <p:tavLst>
-                                        <p:tav tm="0">
-                                          <p:val>
-                                            <p:fltVal val="0"/>
-                                          </p:val>
-                                        </p:tav>
-                                        <p:tav tm="100000">
-                                          <p:val>
-                                            <p:strVal val="#ppt_h"/>
-                                          </p:val>
-                                        </p:tav>
-                                      </p:tavLst>
-                                    </p:anim>
-                                    <p:animEffect transition="in" filter="fade">
-                                      <p:cBhvr>
-                                        <p:cTn id="14" dur="500"/>
-                                        <p:tgtEl>
-                                          <p:spTgt spid="14"/>
-                                        </p:tgtEl>
-                                      </p:cBhvr>
-                                    </p:animEffect>
-                                  </p:childTnLst>
-                                </p:cTn>
-                              </p:par>
-                            </p:childTnLst>
-                          </p:cTn>
-                        </p:par>
-                      </p:childTnLst>
-                    </p:cTn>
-                  </p:par>
-                </p:childTnLst>
-              </p:cTn>
-              <p:prevCondLst>
-                <p:cond evt="onPrev" delay="0">
-                  <p:tgtEl>
-                    <p:sldTgt/>
-                  </p:tgtEl>
-                </p:cond>
-              </p:prevCondLst>
-              <p:nextCondLst>
-                <p:cond evt="onNext" delay="0">
-                  <p:tgtEl>
-                    <p:sldTgt/>
-                  </p:tgtEl>
-                </p:cond>
-              </p:nextCondLst>
-            </p:seq>
-          </p:childTnLst>
-        </p:cTn>
-      </p:par>
-    </p:tnLst>
-    <p:bldLst>
-      <p:bldP spid="14" grpId="0"/>
-    </p:bldLst>
-  </p:timing>
-</p:sld>
-</file>
-
-<file path=ppt/slides/slide20.xml><?xml version="1.0" encoding="utf-8"?>
+<file path=ppt/slides/slide22.xml><?xml version="1.0" encoding="utf-8"?>
 <p:sld xmlns:a="http://schemas.openxmlformats.org/drawingml/2006/main" xmlns:r="http://schemas.openxmlformats.org/officeDocument/2006/relationships" xmlns:p="http://schemas.openxmlformats.org/presentationml/2006/main">
   <p:cSld>
     <p:spTree>
@@ -22411,7 +22561,7 @@
 </p:sld>
 </file>
 
-<file path=ppt/slides/slide21.xml><?xml version="1.0" encoding="utf-8"?>
+<file path=ppt/slides/slide23.xml><?xml version="1.0" encoding="utf-8"?>
 <p:sld xmlns:a="http://schemas.openxmlformats.org/drawingml/2006/main" xmlns:r="http://schemas.openxmlformats.org/officeDocument/2006/relationships" xmlns:p="http://schemas.openxmlformats.org/presentationml/2006/main">
   <p:cSld>
     <p:spTree>
@@ -22729,7 +22879,7 @@
 </p:sld>
 </file>
 
-<file path=ppt/slides/slide22.xml><?xml version="1.0" encoding="utf-8"?>
+<file path=ppt/slides/slide24.xml><?xml version="1.0" encoding="utf-8"?>
 <p:sld xmlns:a="http://schemas.openxmlformats.org/drawingml/2006/main" xmlns:r="http://schemas.openxmlformats.org/officeDocument/2006/relationships" xmlns:p="http://schemas.openxmlformats.org/presentationml/2006/main">
   <p:cSld>
     <p:spTree>
@@ -22827,7 +22977,7 @@
 </p:sld>
 </file>
 
-<file path=ppt/slides/slide23.xml><?xml version="1.0" encoding="utf-8"?>
+<file path=ppt/slides/slide25.xml><?xml version="1.0" encoding="utf-8"?>
 <p:sld xmlns:a="http://schemas.openxmlformats.org/drawingml/2006/main" xmlns:r="http://schemas.openxmlformats.org/officeDocument/2006/relationships" xmlns:p="http://schemas.openxmlformats.org/presentationml/2006/main">
   <p:cSld>
     <p:spTree>
